--- a/figs/figs.pptx
+++ b/figs/figs.pptx
@@ -260,7 +260,7 @@
           <a:p>
             <a:fld id="{F5276DE4-D73B-4163-98BE-86CFAF5015C7}" type="datetimeFigureOut">
               <a:rPr lang="en-US" smtClean="0"/>
-              <a:t>4/9/2018</a:t>
+              <a:t>4/18/2018</a:t>
             </a:fld>
             <a:endParaRPr lang="en-US"/>
           </a:p>
@@ -458,7 +458,7 @@
           <a:p>
             <a:fld id="{F5276DE4-D73B-4163-98BE-86CFAF5015C7}" type="datetimeFigureOut">
               <a:rPr lang="en-US" smtClean="0"/>
-              <a:t>4/9/2018</a:t>
+              <a:t>4/18/2018</a:t>
             </a:fld>
             <a:endParaRPr lang="en-US"/>
           </a:p>
@@ -666,7 +666,7 @@
           <a:p>
             <a:fld id="{F5276DE4-D73B-4163-98BE-86CFAF5015C7}" type="datetimeFigureOut">
               <a:rPr lang="en-US" smtClean="0"/>
-              <a:t>4/9/2018</a:t>
+              <a:t>4/18/2018</a:t>
             </a:fld>
             <a:endParaRPr lang="en-US"/>
           </a:p>
@@ -864,7 +864,7 @@
           <a:p>
             <a:fld id="{F5276DE4-D73B-4163-98BE-86CFAF5015C7}" type="datetimeFigureOut">
               <a:rPr lang="en-US" smtClean="0"/>
-              <a:t>4/9/2018</a:t>
+              <a:t>4/18/2018</a:t>
             </a:fld>
             <a:endParaRPr lang="en-US"/>
           </a:p>
@@ -1139,7 +1139,7 @@
           <a:p>
             <a:fld id="{F5276DE4-D73B-4163-98BE-86CFAF5015C7}" type="datetimeFigureOut">
               <a:rPr lang="en-US" smtClean="0"/>
-              <a:t>4/9/2018</a:t>
+              <a:t>4/18/2018</a:t>
             </a:fld>
             <a:endParaRPr lang="en-US"/>
           </a:p>
@@ -1404,7 +1404,7 @@
           <a:p>
             <a:fld id="{F5276DE4-D73B-4163-98BE-86CFAF5015C7}" type="datetimeFigureOut">
               <a:rPr lang="en-US" smtClean="0"/>
-              <a:t>4/9/2018</a:t>
+              <a:t>4/18/2018</a:t>
             </a:fld>
             <a:endParaRPr lang="en-US"/>
           </a:p>
@@ -1816,7 +1816,7 @@
           <a:p>
             <a:fld id="{F5276DE4-D73B-4163-98BE-86CFAF5015C7}" type="datetimeFigureOut">
               <a:rPr lang="en-US" smtClean="0"/>
-              <a:t>4/9/2018</a:t>
+              <a:t>4/18/2018</a:t>
             </a:fld>
             <a:endParaRPr lang="en-US"/>
           </a:p>
@@ -1957,7 +1957,7 @@
           <a:p>
             <a:fld id="{F5276DE4-D73B-4163-98BE-86CFAF5015C7}" type="datetimeFigureOut">
               <a:rPr lang="en-US" smtClean="0"/>
-              <a:t>4/9/2018</a:t>
+              <a:t>4/18/2018</a:t>
             </a:fld>
             <a:endParaRPr lang="en-US"/>
           </a:p>
@@ -2070,7 +2070,7 @@
           <a:p>
             <a:fld id="{F5276DE4-D73B-4163-98BE-86CFAF5015C7}" type="datetimeFigureOut">
               <a:rPr lang="en-US" smtClean="0"/>
-              <a:t>4/9/2018</a:t>
+              <a:t>4/18/2018</a:t>
             </a:fld>
             <a:endParaRPr lang="en-US"/>
           </a:p>
@@ -2381,7 +2381,7 @@
           <a:p>
             <a:fld id="{F5276DE4-D73B-4163-98BE-86CFAF5015C7}" type="datetimeFigureOut">
               <a:rPr lang="en-US" smtClean="0"/>
-              <a:t>4/9/2018</a:t>
+              <a:t>4/18/2018</a:t>
             </a:fld>
             <a:endParaRPr lang="en-US"/>
           </a:p>
@@ -2669,7 +2669,7 @@
           <a:p>
             <a:fld id="{F5276DE4-D73B-4163-98BE-86CFAF5015C7}" type="datetimeFigureOut">
               <a:rPr lang="en-US" smtClean="0"/>
-              <a:t>4/9/2018</a:t>
+              <a:t>4/18/2018</a:t>
             </a:fld>
             <a:endParaRPr lang="en-US"/>
           </a:p>
@@ -2910,7 +2910,7 @@
           <a:p>
             <a:fld id="{F5276DE4-D73B-4163-98BE-86CFAF5015C7}" type="datetimeFigureOut">
               <a:rPr lang="en-US" smtClean="0"/>
-              <a:t>4/9/2018</a:t>
+              <a:t>4/18/2018</a:t>
             </a:fld>
             <a:endParaRPr lang="en-US"/>
           </a:p>
@@ -3329,10 +3329,10 @@
       </p:grpSpPr>
       <p:grpSp>
         <p:nvGrpSpPr>
-          <p:cNvPr id="31" name="Group 30">
-            <a:extLst>
-              <a:ext uri="{FF2B5EF4-FFF2-40B4-BE49-F238E27FC236}">
-                <a16:creationId xmlns:a16="http://schemas.microsoft.com/office/drawing/2014/main" id="{AB3A9C6E-B021-4C1B-8B4D-40A4167B2079}"/>
+          <p:cNvPr id="40" name="Group 39">
+            <a:extLst>
+              <a:ext uri="{FF2B5EF4-FFF2-40B4-BE49-F238E27FC236}">
+                <a16:creationId xmlns:a16="http://schemas.microsoft.com/office/drawing/2014/main" id="{04324191-1638-4A5B-A4D4-B3D3C7B93A6F}"/>
               </a:ext>
             </a:extLst>
           </p:cNvPr>
@@ -3347,898 +3347,1177 @@
             <a:chExt cx="6001368" cy="2643647"/>
           </a:xfrm>
         </p:grpSpPr>
-        <p:cxnSp>
-          <p:nvCxnSpPr>
-            <p:cNvPr id="5" name="Straight Arrow Connector 4">
+        <p:grpSp>
+          <p:nvGrpSpPr>
+            <p:cNvPr id="31" name="Group 30">
               <a:extLst>
                 <a:ext uri="{FF2B5EF4-FFF2-40B4-BE49-F238E27FC236}">
-                  <a16:creationId xmlns:a16="http://schemas.microsoft.com/office/drawing/2014/main" id="{54420D66-BAAC-46ED-90AF-457F8B1FC631}"/>
+                  <a16:creationId xmlns:a16="http://schemas.microsoft.com/office/drawing/2014/main" id="{AB3A9C6E-B021-4C1B-8B4D-40A4167B2079}"/>
                 </a:ext>
               </a:extLst>
             </p:cNvPr>
-            <p:cNvCxnSpPr>
-              <a:cxnSpLocks/>
-            </p:cNvCxnSpPr>
+            <p:cNvGrpSpPr/>
             <p:nvPr/>
-          </p:nvCxnSpPr>
-          <p:spPr>
-            <a:xfrm flipV="1">
-              <a:off x="3327980" y="3546565"/>
-              <a:ext cx="1192681" cy="1"/>
+          </p:nvGrpSpPr>
+          <p:grpSpPr>
+            <a:xfrm>
+              <a:off x="3090236" y="2448296"/>
+              <a:ext cx="6001368" cy="2643647"/>
+              <a:chOff x="3090236" y="2448296"/>
+              <a:chExt cx="6001368" cy="2643647"/>
             </a:xfrm>
-            <a:prstGeom prst="straightConnector1">
-              <a:avLst/>
-            </a:prstGeom>
-            <a:ln w="19050">
-              <a:solidFill>
+          </p:grpSpPr>
+          <p:cxnSp>
+            <p:nvCxnSpPr>
+              <p:cNvPr id="5" name="Straight Arrow Connector 4">
+                <a:extLst>
+                  <a:ext uri="{FF2B5EF4-FFF2-40B4-BE49-F238E27FC236}">
+                    <a16:creationId xmlns:a16="http://schemas.microsoft.com/office/drawing/2014/main" id="{54420D66-BAAC-46ED-90AF-457F8B1FC631}"/>
+                  </a:ext>
+                </a:extLst>
+              </p:cNvPr>
+              <p:cNvCxnSpPr>
+                <a:cxnSpLocks/>
+              </p:cNvCxnSpPr>
+              <p:nvPr/>
+            </p:nvCxnSpPr>
+            <p:spPr>
+              <a:xfrm flipV="1">
+                <a:off x="3327980" y="3546565"/>
+                <a:ext cx="1192681" cy="1"/>
+              </a:xfrm>
+              <a:prstGeom prst="straightConnector1">
+                <a:avLst/>
+              </a:prstGeom>
+              <a:ln w="19050">
+                <a:solidFill>
+                  <a:schemeClr val="tx1"/>
+                </a:solidFill>
+                <a:tailEnd type="triangle" w="lg" len="lg"/>
+              </a:ln>
+            </p:spPr>
+            <p:style>
+              <a:lnRef idx="1">
+                <a:schemeClr val="accent1"/>
+              </a:lnRef>
+              <a:fillRef idx="0">
+                <a:schemeClr val="accent1"/>
+              </a:fillRef>
+              <a:effectRef idx="0">
+                <a:schemeClr val="accent1"/>
+              </a:effectRef>
+              <a:fontRef idx="minor">
                 <a:schemeClr val="tx1"/>
-              </a:solidFill>
-              <a:tailEnd type="triangle" w="lg" len="lg"/>
-            </a:ln>
-          </p:spPr>
-          <p:style>
-            <a:lnRef idx="1">
-              <a:schemeClr val="accent1"/>
-            </a:lnRef>
-            <a:fillRef idx="0">
-              <a:schemeClr val="accent1"/>
-            </a:fillRef>
-            <a:effectRef idx="0">
-              <a:schemeClr val="accent1"/>
-            </a:effectRef>
-            <a:fontRef idx="minor">
-              <a:schemeClr val="tx1"/>
-            </a:fontRef>
-          </p:style>
-        </p:cxnSp>
-        <p:sp>
-          <p:nvSpPr>
-            <p:cNvPr id="6" name="Oval 5">
-              <a:extLst>
-                <a:ext uri="{FF2B5EF4-FFF2-40B4-BE49-F238E27FC236}">
-                  <a16:creationId xmlns:a16="http://schemas.microsoft.com/office/drawing/2014/main" id="{61B7D374-9F48-4A1B-98E3-92A53FAE06C4}"/>
-                </a:ext>
-              </a:extLst>
-            </p:cNvPr>
-            <p:cNvSpPr/>
-            <p:nvPr/>
-          </p:nvSpPr>
-          <p:spPr>
-            <a:xfrm>
-              <a:off x="4520661" y="3429000"/>
-              <a:ext cx="237744" cy="235131"/>
-            </a:xfrm>
-            <a:prstGeom prst="ellipse">
-              <a:avLst/>
-            </a:prstGeom>
-            <a:noFill/>
-            <a:ln w="19050">
-              <a:solidFill>
+              </a:fontRef>
+            </p:style>
+          </p:cxnSp>
+          <p:sp>
+            <p:nvSpPr>
+              <p:cNvPr id="6" name="Oval 5">
+                <a:extLst>
+                  <a:ext uri="{FF2B5EF4-FFF2-40B4-BE49-F238E27FC236}">
+                    <a16:creationId xmlns:a16="http://schemas.microsoft.com/office/drawing/2014/main" id="{61B7D374-9F48-4A1B-98E3-92A53FAE06C4}"/>
+                  </a:ext>
+                </a:extLst>
+              </p:cNvPr>
+              <p:cNvSpPr/>
+              <p:nvPr/>
+            </p:nvSpPr>
+            <p:spPr>
+              <a:xfrm>
+                <a:off x="4520661" y="3429000"/>
+                <a:ext cx="237744" cy="235131"/>
+              </a:xfrm>
+              <a:prstGeom prst="ellipse">
+                <a:avLst/>
+              </a:prstGeom>
+              <a:noFill/>
+              <a:ln w="19050">
+                <a:solidFill>
+                  <a:schemeClr val="tx1"/>
+                </a:solidFill>
+              </a:ln>
+            </p:spPr>
+            <p:style>
+              <a:lnRef idx="2">
+                <a:schemeClr val="accent1">
+                  <a:shade val="50000"/>
+                </a:schemeClr>
+              </a:lnRef>
+              <a:fillRef idx="1">
+                <a:schemeClr val="accent1"/>
+              </a:fillRef>
+              <a:effectRef idx="0">
+                <a:schemeClr val="accent1"/>
+              </a:effectRef>
+              <a:fontRef idx="minor">
+                <a:schemeClr val="lt1"/>
+              </a:fontRef>
+            </p:style>
+            <p:txBody>
+              <a:bodyPr rtlCol="0" anchor="ctr"/>
+              <a:lstStyle/>
+              <a:p>
+                <a:pPr algn="ctr"/>
+                <a:r>
+                  <a:rPr lang="en-US" dirty="0">
+                    <a:solidFill>
+                      <a:schemeClr val="tx1"/>
+                    </a:solidFill>
+                    <a:latin typeface="Consolas" panose="020B0609020204030204" pitchFamily="49" charset="0"/>
+                  </a:rPr>
+                  <a:t>2</a:t>
+                </a:r>
+              </a:p>
+            </p:txBody>
+          </p:sp>
+          <p:sp>
+            <p:nvSpPr>
+              <p:cNvPr id="7" name="Oval 6">
+                <a:extLst>
+                  <a:ext uri="{FF2B5EF4-FFF2-40B4-BE49-F238E27FC236}">
+                    <a16:creationId xmlns:a16="http://schemas.microsoft.com/office/drawing/2014/main" id="{4A02CD24-E2BF-47BC-99D5-1AECF7152F57}"/>
+                  </a:ext>
+                </a:extLst>
+              </p:cNvPr>
+              <p:cNvSpPr/>
+              <p:nvPr/>
+            </p:nvSpPr>
+            <p:spPr>
+              <a:xfrm>
+                <a:off x="3090236" y="3429000"/>
+                <a:ext cx="237744" cy="235131"/>
+              </a:xfrm>
+              <a:prstGeom prst="ellipse">
+                <a:avLst/>
+              </a:prstGeom>
+              <a:noFill/>
+              <a:ln w="19050">
+                <a:solidFill>
+                  <a:schemeClr val="tx1"/>
+                </a:solidFill>
+              </a:ln>
+            </p:spPr>
+            <p:style>
+              <a:lnRef idx="2">
+                <a:schemeClr val="accent1">
+                  <a:shade val="50000"/>
+                </a:schemeClr>
+              </a:lnRef>
+              <a:fillRef idx="1">
+                <a:schemeClr val="accent1"/>
+              </a:fillRef>
+              <a:effectRef idx="0">
+                <a:schemeClr val="accent1"/>
+              </a:effectRef>
+              <a:fontRef idx="minor">
+                <a:schemeClr val="lt1"/>
+              </a:fontRef>
+            </p:style>
+            <p:txBody>
+              <a:bodyPr rtlCol="0" anchor="ctr"/>
+              <a:lstStyle/>
+              <a:p>
+                <a:pPr algn="ctr"/>
+                <a:r>
+                  <a:rPr lang="en-US" dirty="0">
+                    <a:solidFill>
+                      <a:schemeClr val="tx1"/>
+                    </a:solidFill>
+                    <a:latin typeface="Consolas" panose="020B0609020204030204" pitchFamily="49" charset="0"/>
+                  </a:rPr>
+                  <a:t>0</a:t>
+                </a:r>
+              </a:p>
+            </p:txBody>
+          </p:sp>
+          <p:cxnSp>
+            <p:nvCxnSpPr>
+              <p:cNvPr id="14" name="Straight Arrow Connector 13">
+                <a:extLst>
+                  <a:ext uri="{FF2B5EF4-FFF2-40B4-BE49-F238E27FC236}">
+                    <a16:creationId xmlns:a16="http://schemas.microsoft.com/office/drawing/2014/main" id="{A2069AAB-B01C-4D29-9D28-1D1D7442EF55}"/>
+                  </a:ext>
+                </a:extLst>
+              </p:cNvPr>
+              <p:cNvCxnSpPr>
+                <a:cxnSpLocks/>
+              </p:cNvCxnSpPr>
+              <p:nvPr/>
+            </p:nvCxnSpPr>
+            <p:spPr>
+              <a:xfrm flipV="1">
+                <a:off x="4784447" y="3546565"/>
+                <a:ext cx="1192681" cy="1"/>
+              </a:xfrm>
+              <a:prstGeom prst="straightConnector1">
+                <a:avLst/>
+              </a:prstGeom>
+              <a:ln w="19050">
+                <a:solidFill>
+                  <a:schemeClr val="tx1"/>
+                </a:solidFill>
+                <a:tailEnd type="triangle" w="lg" len="lg"/>
+              </a:ln>
+            </p:spPr>
+            <p:style>
+              <a:lnRef idx="1">
+                <a:schemeClr val="accent1"/>
+              </a:lnRef>
+              <a:fillRef idx="0">
+                <a:schemeClr val="accent1"/>
+              </a:fillRef>
+              <a:effectRef idx="0">
+                <a:schemeClr val="accent1"/>
+              </a:effectRef>
+              <a:fontRef idx="minor">
                 <a:schemeClr val="tx1"/>
-              </a:solidFill>
-            </a:ln>
-          </p:spPr>
-          <p:style>
-            <a:lnRef idx="2">
-              <a:schemeClr val="accent1">
-                <a:shade val="50000"/>
-              </a:schemeClr>
-            </a:lnRef>
-            <a:fillRef idx="1">
-              <a:schemeClr val="accent1"/>
-            </a:fillRef>
-            <a:effectRef idx="0">
-              <a:schemeClr val="accent1"/>
-            </a:effectRef>
-            <a:fontRef idx="minor">
-              <a:schemeClr val="lt1"/>
-            </a:fontRef>
-          </p:style>
-          <p:txBody>
-            <a:bodyPr rtlCol="0" anchor="ctr"/>
-            <a:lstStyle/>
-            <a:p>
-              <a:pPr algn="ctr"/>
-              <a:r>
-                <a:rPr lang="en-US" dirty="0">
+              </a:fontRef>
+            </p:style>
+          </p:cxnSp>
+          <p:sp>
+            <p:nvSpPr>
+              <p:cNvPr id="15" name="Oval 14">
+                <a:extLst>
+                  <a:ext uri="{FF2B5EF4-FFF2-40B4-BE49-F238E27FC236}">
+                    <a16:creationId xmlns:a16="http://schemas.microsoft.com/office/drawing/2014/main" id="{CE680E07-7C24-4891-B97B-B7D62FAC559D}"/>
+                  </a:ext>
+                </a:extLst>
+              </p:cNvPr>
+              <p:cNvSpPr/>
+              <p:nvPr/>
+            </p:nvSpPr>
+            <p:spPr>
+              <a:xfrm>
+                <a:off x="5977128" y="3429000"/>
+                <a:ext cx="237744" cy="235131"/>
+              </a:xfrm>
+              <a:prstGeom prst="ellipse">
+                <a:avLst/>
+              </a:prstGeom>
+              <a:noFill/>
+              <a:ln w="19050">
+                <a:solidFill>
+                  <a:schemeClr val="tx1"/>
+                </a:solidFill>
+              </a:ln>
+            </p:spPr>
+            <p:style>
+              <a:lnRef idx="2">
+                <a:schemeClr val="accent1">
+                  <a:shade val="50000"/>
+                </a:schemeClr>
+              </a:lnRef>
+              <a:fillRef idx="1">
+                <a:schemeClr val="accent1"/>
+              </a:fillRef>
+              <a:effectRef idx="0">
+                <a:schemeClr val="accent1"/>
+              </a:effectRef>
+              <a:fontRef idx="minor">
+                <a:schemeClr val="lt1"/>
+              </a:fontRef>
+            </p:style>
+            <p:txBody>
+              <a:bodyPr rtlCol="0" anchor="ctr"/>
+              <a:lstStyle/>
+              <a:p>
+                <a:pPr algn="ctr"/>
+                <a:r>
+                  <a:rPr lang="en-US" dirty="0">
+                    <a:solidFill>
+                      <a:schemeClr val="tx1"/>
+                    </a:solidFill>
+                    <a:latin typeface="Consolas" panose="020B0609020204030204" pitchFamily="49" charset="0"/>
+                  </a:rPr>
+                  <a:t>3</a:t>
+                </a:r>
+              </a:p>
+            </p:txBody>
+          </p:sp>
+          <p:cxnSp>
+            <p:nvCxnSpPr>
+              <p:cNvPr id="16" name="Straight Arrow Connector 15">
+                <a:extLst>
+                  <a:ext uri="{FF2B5EF4-FFF2-40B4-BE49-F238E27FC236}">
+                    <a16:creationId xmlns:a16="http://schemas.microsoft.com/office/drawing/2014/main" id="{1A555099-7595-4574-869E-2737C44BFD7F}"/>
+                  </a:ext>
+                </a:extLst>
+              </p:cNvPr>
+              <p:cNvCxnSpPr>
+                <a:cxnSpLocks/>
+              </p:cNvCxnSpPr>
+              <p:nvPr/>
+            </p:nvCxnSpPr>
+            <p:spPr>
+              <a:xfrm flipV="1">
+                <a:off x="6214872" y="3546565"/>
+                <a:ext cx="1192681" cy="1"/>
+              </a:xfrm>
+              <a:prstGeom prst="straightConnector1">
+                <a:avLst/>
+              </a:prstGeom>
+              <a:ln w="19050">
+                <a:solidFill>
+                  <a:schemeClr val="tx1"/>
+                </a:solidFill>
+                <a:tailEnd type="triangle" w="lg" len="lg"/>
+              </a:ln>
+            </p:spPr>
+            <p:style>
+              <a:lnRef idx="1">
+                <a:schemeClr val="accent1"/>
+              </a:lnRef>
+              <a:fillRef idx="0">
+                <a:schemeClr val="accent1"/>
+              </a:fillRef>
+              <a:effectRef idx="0">
+                <a:schemeClr val="accent1"/>
+              </a:effectRef>
+              <a:fontRef idx="minor">
+                <a:schemeClr val="tx1"/>
+              </a:fontRef>
+            </p:style>
+          </p:cxnSp>
+          <p:sp>
+            <p:nvSpPr>
+              <p:cNvPr id="17" name="Oval 16">
+                <a:extLst>
+                  <a:ext uri="{FF2B5EF4-FFF2-40B4-BE49-F238E27FC236}">
+                    <a16:creationId xmlns:a16="http://schemas.microsoft.com/office/drawing/2014/main" id="{F933A072-AD64-416D-9D33-6C6F167EBA63}"/>
+                  </a:ext>
+                </a:extLst>
+              </p:cNvPr>
+              <p:cNvSpPr/>
+              <p:nvPr/>
+            </p:nvSpPr>
+            <p:spPr>
+              <a:xfrm>
+                <a:off x="7407553" y="3429000"/>
+                <a:ext cx="237744" cy="235131"/>
+              </a:xfrm>
+              <a:prstGeom prst="ellipse">
+                <a:avLst/>
+              </a:prstGeom>
+              <a:noFill/>
+              <a:ln w="19050">
+                <a:solidFill>
+                  <a:schemeClr val="tx1"/>
+                </a:solidFill>
+              </a:ln>
+            </p:spPr>
+            <p:style>
+              <a:lnRef idx="2">
+                <a:schemeClr val="accent1">
+                  <a:shade val="50000"/>
+                </a:schemeClr>
+              </a:lnRef>
+              <a:fillRef idx="1">
+                <a:schemeClr val="accent1"/>
+              </a:fillRef>
+              <a:effectRef idx="0">
+                <a:schemeClr val="accent1"/>
+              </a:effectRef>
+              <a:fontRef idx="minor">
+                <a:schemeClr val="lt1"/>
+              </a:fontRef>
+            </p:style>
+            <p:txBody>
+              <a:bodyPr rtlCol="0" anchor="ctr"/>
+              <a:lstStyle/>
+              <a:p>
+                <a:pPr algn="ctr"/>
+                <a:r>
+                  <a:rPr lang="en-US" dirty="0">
+                    <a:solidFill>
+                      <a:schemeClr val="tx1"/>
+                    </a:solidFill>
+                    <a:latin typeface="Consolas" panose="020B0609020204030204" pitchFamily="49" charset="0"/>
+                  </a:rPr>
+                  <a:t>4</a:t>
+                </a:r>
+              </a:p>
+            </p:txBody>
+          </p:sp>
+          <p:cxnSp>
+            <p:nvCxnSpPr>
+              <p:cNvPr id="19" name="Straight Arrow Connector 18">
+                <a:extLst>
+                  <a:ext uri="{FF2B5EF4-FFF2-40B4-BE49-F238E27FC236}">
+                    <a16:creationId xmlns:a16="http://schemas.microsoft.com/office/drawing/2014/main" id="{13A01C14-9063-4B60-A482-03ACED5CC836}"/>
+                  </a:ext>
+                </a:extLst>
+              </p:cNvPr>
+              <p:cNvCxnSpPr>
+                <a:cxnSpLocks/>
+              </p:cNvCxnSpPr>
+              <p:nvPr/>
+            </p:nvCxnSpPr>
+            <p:spPr>
+              <a:xfrm flipV="1">
+                <a:off x="7651019" y="3546565"/>
+                <a:ext cx="1192681" cy="1"/>
+              </a:xfrm>
+              <a:prstGeom prst="straightConnector1">
+                <a:avLst/>
+              </a:prstGeom>
+              <a:ln w="19050">
+                <a:solidFill>
+                  <a:schemeClr val="tx1"/>
+                </a:solidFill>
+                <a:tailEnd type="triangle" w="lg" len="lg"/>
+              </a:ln>
+            </p:spPr>
+            <p:style>
+              <a:lnRef idx="1">
+                <a:schemeClr val="accent1"/>
+              </a:lnRef>
+              <a:fillRef idx="0">
+                <a:schemeClr val="accent1"/>
+              </a:fillRef>
+              <a:effectRef idx="0">
+                <a:schemeClr val="accent1"/>
+              </a:effectRef>
+              <a:fontRef idx="minor">
+                <a:schemeClr val="tx1"/>
+              </a:fontRef>
+            </p:style>
+          </p:cxnSp>
+          <p:sp>
+            <p:nvSpPr>
+              <p:cNvPr id="20" name="Oval 19">
+                <a:extLst>
+                  <a:ext uri="{FF2B5EF4-FFF2-40B4-BE49-F238E27FC236}">
+                    <a16:creationId xmlns:a16="http://schemas.microsoft.com/office/drawing/2014/main" id="{9D552BB2-23F0-4B8F-B91D-A1EAC7C33BEC}"/>
+                  </a:ext>
+                </a:extLst>
+              </p:cNvPr>
+              <p:cNvSpPr/>
+              <p:nvPr/>
+            </p:nvSpPr>
+            <p:spPr>
+              <a:xfrm>
+                <a:off x="8853860" y="3429000"/>
+                <a:ext cx="237744" cy="235131"/>
+              </a:xfrm>
+              <a:prstGeom prst="ellipse">
+                <a:avLst/>
+              </a:prstGeom>
+              <a:noFill/>
+              <a:ln w="19050">
+                <a:solidFill>
+                  <a:schemeClr val="tx1"/>
+                </a:solidFill>
+              </a:ln>
+            </p:spPr>
+            <p:style>
+              <a:lnRef idx="2">
+                <a:schemeClr val="accent1">
+                  <a:shade val="50000"/>
+                </a:schemeClr>
+              </a:lnRef>
+              <a:fillRef idx="1">
+                <a:schemeClr val="accent1"/>
+              </a:fillRef>
+              <a:effectRef idx="0">
+                <a:schemeClr val="accent1"/>
+              </a:effectRef>
+              <a:fontRef idx="minor">
+                <a:schemeClr val="lt1"/>
+              </a:fontRef>
+            </p:style>
+            <p:txBody>
+              <a:bodyPr rtlCol="0" anchor="ctr"/>
+              <a:lstStyle/>
+              <a:p>
+                <a:pPr algn="ctr"/>
+                <a:r>
+                  <a:rPr lang="en-US" dirty="0">
+                    <a:solidFill>
+                      <a:schemeClr val="tx1"/>
+                    </a:solidFill>
+                    <a:latin typeface="Consolas" panose="020B0609020204030204" pitchFamily="49" charset="0"/>
+                  </a:rPr>
+                  <a:t>5</a:t>
+                </a:r>
+              </a:p>
+            </p:txBody>
+          </p:sp>
+          <p:sp>
+            <p:nvSpPr>
+              <p:cNvPr id="21" name="Arc 20">
+                <a:extLst>
+                  <a:ext uri="{FF2B5EF4-FFF2-40B4-BE49-F238E27FC236}">
+                    <a16:creationId xmlns:a16="http://schemas.microsoft.com/office/drawing/2014/main" id="{FC5FC3EF-628D-41C9-99B0-8FDA8062DCA5}"/>
+                  </a:ext>
+                </a:extLst>
+              </p:cNvPr>
+              <p:cNvSpPr/>
+              <p:nvPr/>
+            </p:nvSpPr>
+            <p:spPr>
+              <a:xfrm rot="16200000">
+                <a:off x="4700817" y="2702561"/>
+                <a:ext cx="1337490" cy="1452877"/>
+              </a:xfrm>
+              <a:prstGeom prst="arc">
+                <a:avLst>
+                  <a:gd name="adj1" fmla="val 16209308"/>
+                  <a:gd name="adj2" fmla="val 5349670"/>
+                </a:avLst>
+              </a:prstGeom>
+              <a:ln w="19050">
+                <a:solidFill>
+                  <a:schemeClr val="tx1"/>
+                </a:solidFill>
+                <a:headEnd type="none"/>
+                <a:tailEnd type="triangle" w="lg" len="lg"/>
+              </a:ln>
+            </p:spPr>
+            <p:style>
+              <a:lnRef idx="1">
+                <a:schemeClr val="accent1"/>
+              </a:lnRef>
+              <a:fillRef idx="0">
+                <a:schemeClr val="accent1"/>
+              </a:fillRef>
+              <a:effectRef idx="0">
+                <a:schemeClr val="accent1"/>
+              </a:effectRef>
+              <a:fontRef idx="minor">
+                <a:schemeClr val="tx1"/>
+              </a:fontRef>
+            </p:style>
+            <p:txBody>
+              <a:bodyPr rtlCol="0" anchor="ctr"/>
+              <a:lstStyle/>
+              <a:p>
+                <a:pPr algn="ctr"/>
+                <a:endParaRPr lang="en-US"/>
+              </a:p>
+            </p:txBody>
+          </p:sp>
+          <p:sp>
+            <p:nvSpPr>
+              <p:cNvPr id="22" name="Rectangle 21">
+                <a:extLst>
+                  <a:ext uri="{FF2B5EF4-FFF2-40B4-BE49-F238E27FC236}">
+                    <a16:creationId xmlns:a16="http://schemas.microsoft.com/office/drawing/2014/main" id="{4050D4ED-0DFA-4278-96CA-76D65B9AAE78}"/>
+                  </a:ext>
+                </a:extLst>
+              </p:cNvPr>
+              <p:cNvSpPr/>
+              <p:nvPr/>
+            </p:nvSpPr>
+            <p:spPr>
+              <a:xfrm>
+                <a:off x="3755647" y="3244333"/>
+                <a:ext cx="311304" cy="369332"/>
+              </a:xfrm>
+              <a:prstGeom prst="rect">
+                <a:avLst/>
+              </a:prstGeom>
+            </p:spPr>
+            <p:txBody>
+              <a:bodyPr wrap="none">
+                <a:spAutoFit/>
+              </a:bodyPr>
+              <a:lstStyle/>
+              <a:p>
+                <a:pPr algn="ctr"/>
+                <a:r>
+                  <a:rPr lang="en-US" dirty="0">
+                    <a:latin typeface="Consolas" panose="020B0609020204030204" pitchFamily="49" charset="0"/>
+                  </a:rPr>
+                  <a:t>0</a:t>
+                </a:r>
+                <a:endParaRPr lang="en-US" dirty="0">
                   <a:solidFill>
                     <a:schemeClr val="tx1"/>
                   </a:solidFill>
                   <a:latin typeface="Consolas" panose="020B0609020204030204" pitchFamily="49" charset="0"/>
-                </a:rPr>
-                <a:t>2</a:t>
-              </a:r>
-            </a:p>
-          </p:txBody>
-        </p:sp>
-        <p:sp>
-          <p:nvSpPr>
-            <p:cNvPr id="7" name="Oval 6">
-              <a:extLst>
-                <a:ext uri="{FF2B5EF4-FFF2-40B4-BE49-F238E27FC236}">
-                  <a16:creationId xmlns:a16="http://schemas.microsoft.com/office/drawing/2014/main" id="{4A02CD24-E2BF-47BC-99D5-1AECF7152F57}"/>
-                </a:ext>
-              </a:extLst>
-            </p:cNvPr>
-            <p:cNvSpPr/>
-            <p:nvPr/>
-          </p:nvSpPr>
-          <p:spPr>
-            <a:xfrm>
-              <a:off x="3090236" y="3429000"/>
-              <a:ext cx="237744" cy="235131"/>
-            </a:xfrm>
-            <a:prstGeom prst="ellipse">
-              <a:avLst/>
-            </a:prstGeom>
-            <a:noFill/>
-            <a:ln w="19050">
-              <a:solidFill>
+                </a:endParaRPr>
+              </a:p>
+            </p:txBody>
+          </p:sp>
+          <p:cxnSp>
+            <p:nvCxnSpPr>
+              <p:cNvPr id="23" name="Straight Arrow Connector 22">
+                <a:extLst>
+                  <a:ext uri="{FF2B5EF4-FFF2-40B4-BE49-F238E27FC236}">
+                    <a16:creationId xmlns:a16="http://schemas.microsoft.com/office/drawing/2014/main" id="{91AEDF7B-DCF0-435F-BC0C-014F13FE378A}"/>
+                  </a:ext>
+                </a:extLst>
+              </p:cNvPr>
+              <p:cNvCxnSpPr>
+                <a:cxnSpLocks/>
+              </p:cNvCxnSpPr>
+              <p:nvPr/>
+            </p:nvCxnSpPr>
+            <p:spPr>
+              <a:xfrm rot="16200000" flipV="1">
+                <a:off x="4043377" y="4260471"/>
+                <a:ext cx="1192681" cy="1"/>
+              </a:xfrm>
+              <a:prstGeom prst="straightConnector1">
+                <a:avLst/>
+              </a:prstGeom>
+              <a:ln w="19050">
+                <a:solidFill>
+                  <a:schemeClr val="tx1"/>
+                </a:solidFill>
+                <a:tailEnd type="triangle" w="lg" len="lg"/>
+              </a:ln>
+            </p:spPr>
+            <p:style>
+              <a:lnRef idx="1">
+                <a:schemeClr val="accent1"/>
+              </a:lnRef>
+              <a:fillRef idx="0">
+                <a:schemeClr val="accent1"/>
+              </a:fillRef>
+              <a:effectRef idx="0">
+                <a:schemeClr val="accent1"/>
+              </a:effectRef>
+              <a:fontRef idx="minor">
                 <a:schemeClr val="tx1"/>
-              </a:solidFill>
-            </a:ln>
-          </p:spPr>
-          <p:style>
-            <a:lnRef idx="2">
-              <a:schemeClr val="accent1">
-                <a:shade val="50000"/>
-              </a:schemeClr>
-            </a:lnRef>
-            <a:fillRef idx="1">
-              <a:schemeClr val="accent1"/>
-            </a:fillRef>
-            <a:effectRef idx="0">
-              <a:schemeClr val="accent1"/>
-            </a:effectRef>
-            <a:fontRef idx="minor">
-              <a:schemeClr val="lt1"/>
-            </a:fontRef>
-          </p:style>
-          <p:txBody>
-            <a:bodyPr rtlCol="0" anchor="ctr"/>
-            <a:lstStyle/>
-            <a:p>
-              <a:pPr algn="ctr"/>
-              <a:r>
-                <a:rPr lang="en-US" dirty="0">
+              </a:fontRef>
+            </p:style>
+          </p:cxnSp>
+          <p:sp>
+            <p:nvSpPr>
+              <p:cNvPr id="25" name="Oval 24">
+                <a:extLst>
+                  <a:ext uri="{FF2B5EF4-FFF2-40B4-BE49-F238E27FC236}">
+                    <a16:creationId xmlns:a16="http://schemas.microsoft.com/office/drawing/2014/main" id="{88162759-5D38-425A-BF58-389EC2CBDDDB}"/>
+                  </a:ext>
+                </a:extLst>
+              </p:cNvPr>
+              <p:cNvSpPr/>
+              <p:nvPr/>
+            </p:nvSpPr>
+            <p:spPr>
+              <a:xfrm>
+                <a:off x="4524251" y="4856812"/>
+                <a:ext cx="237744" cy="235131"/>
+              </a:xfrm>
+              <a:prstGeom prst="ellipse">
+                <a:avLst/>
+              </a:prstGeom>
+              <a:noFill/>
+              <a:ln w="19050">
+                <a:solidFill>
+                  <a:schemeClr val="tx1"/>
+                </a:solidFill>
+              </a:ln>
+            </p:spPr>
+            <p:style>
+              <a:lnRef idx="2">
+                <a:schemeClr val="accent1">
+                  <a:shade val="50000"/>
+                </a:schemeClr>
+              </a:lnRef>
+              <a:fillRef idx="1">
+                <a:schemeClr val="accent1"/>
+              </a:fillRef>
+              <a:effectRef idx="0">
+                <a:schemeClr val="accent1"/>
+              </a:effectRef>
+              <a:fontRef idx="minor">
+                <a:schemeClr val="lt1"/>
+              </a:fontRef>
+            </p:style>
+            <p:txBody>
+              <a:bodyPr rtlCol="0" anchor="ctr"/>
+              <a:lstStyle/>
+              <a:p>
+                <a:pPr algn="ctr"/>
+                <a:r>
+                  <a:rPr lang="en-US" dirty="0">
+                    <a:solidFill>
+                      <a:schemeClr val="tx1"/>
+                    </a:solidFill>
+                    <a:latin typeface="Consolas" panose="020B0609020204030204" pitchFamily="49" charset="0"/>
+                  </a:rPr>
+                  <a:t>1</a:t>
+                </a:r>
+              </a:p>
+            </p:txBody>
+          </p:sp>
+          <p:sp>
+            <p:nvSpPr>
+              <p:cNvPr id="26" name="Rectangle 25">
+                <a:extLst>
+                  <a:ext uri="{FF2B5EF4-FFF2-40B4-BE49-F238E27FC236}">
+                    <a16:creationId xmlns:a16="http://schemas.microsoft.com/office/drawing/2014/main" id="{E7238CF1-DAC5-4030-BDF9-B08BA6D9F7CD}"/>
+                  </a:ext>
+                </a:extLst>
+              </p:cNvPr>
+              <p:cNvSpPr/>
+              <p:nvPr/>
+            </p:nvSpPr>
+            <p:spPr>
+              <a:xfrm>
+                <a:off x="5212114" y="3244333"/>
+                <a:ext cx="311304" cy="369332"/>
+              </a:xfrm>
+              <a:prstGeom prst="rect">
+                <a:avLst/>
+              </a:prstGeom>
+            </p:spPr>
+            <p:txBody>
+              <a:bodyPr wrap="none">
+                <a:spAutoFit/>
+              </a:bodyPr>
+              <a:lstStyle/>
+              <a:p>
+                <a:pPr algn="ctr"/>
+                <a:r>
+                  <a:rPr lang="en-US" dirty="0">
+                    <a:latin typeface="Consolas" panose="020B0609020204030204" pitchFamily="49" charset="0"/>
+                  </a:rPr>
+                  <a:t>3</a:t>
+                </a:r>
+                <a:endParaRPr lang="en-US" dirty="0">
                   <a:solidFill>
                     <a:schemeClr val="tx1"/>
                   </a:solidFill>
                   <a:latin typeface="Consolas" panose="020B0609020204030204" pitchFamily="49" charset="0"/>
-                </a:rPr>
-                <a:t>0</a:t>
-              </a:r>
-            </a:p>
-          </p:txBody>
-        </p:sp>
-        <p:cxnSp>
-          <p:nvCxnSpPr>
-            <p:cNvPr id="14" name="Straight Arrow Connector 13">
-              <a:extLst>
-                <a:ext uri="{FF2B5EF4-FFF2-40B4-BE49-F238E27FC236}">
-                  <a16:creationId xmlns:a16="http://schemas.microsoft.com/office/drawing/2014/main" id="{A2069AAB-B01C-4D29-9D28-1D1D7442EF55}"/>
-                </a:ext>
-              </a:extLst>
-            </p:cNvPr>
-            <p:cNvCxnSpPr>
-              <a:cxnSpLocks/>
-            </p:cNvCxnSpPr>
-            <p:nvPr/>
-          </p:nvCxnSpPr>
-          <p:spPr>
-            <a:xfrm flipV="1">
-              <a:off x="4784447" y="3546565"/>
-              <a:ext cx="1192681" cy="1"/>
-            </a:xfrm>
-            <a:prstGeom prst="straightConnector1">
-              <a:avLst/>
-            </a:prstGeom>
-            <a:ln w="19050">
-              <a:solidFill>
-                <a:schemeClr val="tx1"/>
-              </a:solidFill>
-              <a:tailEnd type="triangle" w="lg" len="lg"/>
-            </a:ln>
-          </p:spPr>
-          <p:style>
-            <a:lnRef idx="1">
-              <a:schemeClr val="accent1"/>
-            </a:lnRef>
-            <a:fillRef idx="0">
-              <a:schemeClr val="accent1"/>
-            </a:fillRef>
-            <a:effectRef idx="0">
-              <a:schemeClr val="accent1"/>
-            </a:effectRef>
-            <a:fontRef idx="minor">
-              <a:schemeClr val="tx1"/>
-            </a:fontRef>
-          </p:style>
-        </p:cxnSp>
-        <p:sp>
-          <p:nvSpPr>
-            <p:cNvPr id="15" name="Oval 14">
-              <a:extLst>
-                <a:ext uri="{FF2B5EF4-FFF2-40B4-BE49-F238E27FC236}">
-                  <a16:creationId xmlns:a16="http://schemas.microsoft.com/office/drawing/2014/main" id="{CE680E07-7C24-4891-B97B-B7D62FAC559D}"/>
-                </a:ext>
-              </a:extLst>
-            </p:cNvPr>
-            <p:cNvSpPr/>
-            <p:nvPr/>
-          </p:nvSpPr>
-          <p:spPr>
-            <a:xfrm>
-              <a:off x="5977128" y="3429000"/>
-              <a:ext cx="237744" cy="235131"/>
-            </a:xfrm>
-            <a:prstGeom prst="ellipse">
-              <a:avLst/>
-            </a:prstGeom>
-            <a:noFill/>
-            <a:ln w="19050">
-              <a:solidFill>
-                <a:schemeClr val="tx1"/>
-              </a:solidFill>
-            </a:ln>
-          </p:spPr>
-          <p:style>
-            <a:lnRef idx="2">
-              <a:schemeClr val="accent1">
-                <a:shade val="50000"/>
-              </a:schemeClr>
-            </a:lnRef>
-            <a:fillRef idx="1">
-              <a:schemeClr val="accent1"/>
-            </a:fillRef>
-            <a:effectRef idx="0">
-              <a:schemeClr val="accent1"/>
-            </a:effectRef>
-            <a:fontRef idx="minor">
-              <a:schemeClr val="lt1"/>
-            </a:fontRef>
-          </p:style>
-          <p:txBody>
-            <a:bodyPr rtlCol="0" anchor="ctr"/>
-            <a:lstStyle/>
-            <a:p>
-              <a:pPr algn="ctr"/>
-              <a:r>
-                <a:rPr lang="en-US" dirty="0">
+                </a:endParaRPr>
+              </a:p>
+            </p:txBody>
+          </p:sp>
+          <p:sp>
+            <p:nvSpPr>
+              <p:cNvPr id="27" name="Rectangle 26">
+                <a:extLst>
+                  <a:ext uri="{FF2B5EF4-FFF2-40B4-BE49-F238E27FC236}">
+                    <a16:creationId xmlns:a16="http://schemas.microsoft.com/office/drawing/2014/main" id="{64B23758-8969-41D1-AB10-3E1FF8E93DDC}"/>
+                  </a:ext>
+                </a:extLst>
+              </p:cNvPr>
+              <p:cNvSpPr/>
+              <p:nvPr/>
+            </p:nvSpPr>
+            <p:spPr>
+              <a:xfrm>
+                <a:off x="4365009" y="4148211"/>
+                <a:ext cx="311304" cy="369332"/>
+              </a:xfrm>
+              <a:prstGeom prst="rect">
+                <a:avLst/>
+              </a:prstGeom>
+            </p:spPr>
+            <p:txBody>
+              <a:bodyPr wrap="none">
+                <a:spAutoFit/>
+              </a:bodyPr>
+              <a:lstStyle/>
+              <a:p>
+                <a:pPr algn="ctr"/>
+                <a:r>
+                  <a:rPr lang="en-US" dirty="0">
+                    <a:latin typeface="Consolas" panose="020B0609020204030204" pitchFamily="49" charset="0"/>
+                  </a:rPr>
+                  <a:t>1</a:t>
+                </a:r>
+                <a:endParaRPr lang="en-US" dirty="0">
                   <a:solidFill>
                     <a:schemeClr val="tx1"/>
                   </a:solidFill>
                   <a:latin typeface="Consolas" panose="020B0609020204030204" pitchFamily="49" charset="0"/>
-                </a:rPr>
-                <a:t>3</a:t>
-              </a:r>
-            </a:p>
-          </p:txBody>
-        </p:sp>
-        <p:cxnSp>
-          <p:nvCxnSpPr>
-            <p:cNvPr id="16" name="Straight Arrow Connector 15">
-              <a:extLst>
-                <a:ext uri="{FF2B5EF4-FFF2-40B4-BE49-F238E27FC236}">
-                  <a16:creationId xmlns:a16="http://schemas.microsoft.com/office/drawing/2014/main" id="{1A555099-7595-4574-869E-2737C44BFD7F}"/>
-                </a:ext>
-              </a:extLst>
-            </p:cNvPr>
-            <p:cNvCxnSpPr>
-              <a:cxnSpLocks/>
-            </p:cNvCxnSpPr>
-            <p:nvPr/>
-          </p:nvCxnSpPr>
-          <p:spPr>
-            <a:xfrm flipV="1">
-              <a:off x="6214872" y="3546565"/>
-              <a:ext cx="1192681" cy="1"/>
-            </a:xfrm>
-            <a:prstGeom prst="straightConnector1">
-              <a:avLst/>
-            </a:prstGeom>
-            <a:ln w="19050">
-              <a:solidFill>
-                <a:schemeClr val="tx1"/>
-              </a:solidFill>
-              <a:tailEnd type="triangle" w="lg" len="lg"/>
-            </a:ln>
-          </p:spPr>
-          <p:style>
-            <a:lnRef idx="1">
-              <a:schemeClr val="accent1"/>
-            </a:lnRef>
-            <a:fillRef idx="0">
-              <a:schemeClr val="accent1"/>
-            </a:fillRef>
-            <a:effectRef idx="0">
-              <a:schemeClr val="accent1"/>
-            </a:effectRef>
-            <a:fontRef idx="minor">
-              <a:schemeClr val="tx1"/>
-            </a:fontRef>
-          </p:style>
-        </p:cxnSp>
-        <p:sp>
-          <p:nvSpPr>
-            <p:cNvPr id="17" name="Oval 16">
-              <a:extLst>
-                <a:ext uri="{FF2B5EF4-FFF2-40B4-BE49-F238E27FC236}">
-                  <a16:creationId xmlns:a16="http://schemas.microsoft.com/office/drawing/2014/main" id="{F933A072-AD64-416D-9D33-6C6F167EBA63}"/>
-                </a:ext>
-              </a:extLst>
-            </p:cNvPr>
-            <p:cNvSpPr/>
-            <p:nvPr/>
-          </p:nvSpPr>
-          <p:spPr>
-            <a:xfrm>
-              <a:off x="7407553" y="3429000"/>
-              <a:ext cx="237744" cy="235131"/>
-            </a:xfrm>
-            <a:prstGeom prst="ellipse">
-              <a:avLst/>
-            </a:prstGeom>
-            <a:noFill/>
-            <a:ln w="19050">
-              <a:solidFill>
-                <a:schemeClr val="tx1"/>
-              </a:solidFill>
-            </a:ln>
-          </p:spPr>
-          <p:style>
-            <a:lnRef idx="2">
-              <a:schemeClr val="accent1">
-                <a:shade val="50000"/>
-              </a:schemeClr>
-            </a:lnRef>
-            <a:fillRef idx="1">
-              <a:schemeClr val="accent1"/>
-            </a:fillRef>
-            <a:effectRef idx="0">
-              <a:schemeClr val="accent1"/>
-            </a:effectRef>
-            <a:fontRef idx="minor">
-              <a:schemeClr val="lt1"/>
-            </a:fontRef>
-          </p:style>
-          <p:txBody>
-            <a:bodyPr rtlCol="0" anchor="ctr"/>
-            <a:lstStyle/>
-            <a:p>
-              <a:pPr algn="ctr"/>
-              <a:r>
-                <a:rPr lang="en-US" dirty="0">
+                </a:endParaRPr>
+              </a:p>
+            </p:txBody>
+          </p:sp>
+          <p:sp>
+            <p:nvSpPr>
+              <p:cNvPr id="28" name="Rectangle 27">
+                <a:extLst>
+                  <a:ext uri="{FF2B5EF4-FFF2-40B4-BE49-F238E27FC236}">
+                    <a16:creationId xmlns:a16="http://schemas.microsoft.com/office/drawing/2014/main" id="{13EE467C-E5A4-4CF4-9FA5-221A4DC0CA3E}"/>
+                  </a:ext>
+                </a:extLst>
+              </p:cNvPr>
+              <p:cNvSpPr/>
+              <p:nvPr/>
+            </p:nvSpPr>
+            <p:spPr>
+              <a:xfrm>
+                <a:off x="5213910" y="2448296"/>
+                <a:ext cx="311304" cy="369332"/>
+              </a:xfrm>
+              <a:prstGeom prst="rect">
+                <a:avLst/>
+              </a:prstGeom>
+            </p:spPr>
+            <p:txBody>
+              <a:bodyPr wrap="none">
+                <a:spAutoFit/>
+              </a:bodyPr>
+              <a:lstStyle/>
+              <a:p>
+                <a:pPr algn="ctr"/>
+                <a:r>
+                  <a:rPr lang="en-US" dirty="0">
+                    <a:latin typeface="Consolas" panose="020B0609020204030204" pitchFamily="49" charset="0"/>
+                  </a:rPr>
+                  <a:t>2</a:t>
+                </a:r>
+                <a:endParaRPr lang="en-US" dirty="0">
                   <a:solidFill>
                     <a:schemeClr val="tx1"/>
                   </a:solidFill>
                   <a:latin typeface="Consolas" panose="020B0609020204030204" pitchFamily="49" charset="0"/>
-                </a:rPr>
-                <a:t>4</a:t>
-              </a:r>
-            </a:p>
-          </p:txBody>
-        </p:sp>
-        <p:cxnSp>
-          <p:nvCxnSpPr>
-            <p:cNvPr id="19" name="Straight Arrow Connector 18">
-              <a:extLst>
-                <a:ext uri="{FF2B5EF4-FFF2-40B4-BE49-F238E27FC236}">
-                  <a16:creationId xmlns:a16="http://schemas.microsoft.com/office/drawing/2014/main" id="{13A01C14-9063-4B60-A482-03ACED5CC836}"/>
-                </a:ext>
-              </a:extLst>
-            </p:cNvPr>
-            <p:cNvCxnSpPr>
-              <a:cxnSpLocks/>
-            </p:cNvCxnSpPr>
-            <p:nvPr/>
-          </p:nvCxnSpPr>
-          <p:spPr>
-            <a:xfrm flipV="1">
-              <a:off x="7651019" y="3546565"/>
-              <a:ext cx="1192681" cy="1"/>
-            </a:xfrm>
-            <a:prstGeom prst="straightConnector1">
-              <a:avLst/>
-            </a:prstGeom>
-            <a:ln w="19050">
-              <a:solidFill>
-                <a:schemeClr val="tx1"/>
-              </a:solidFill>
-              <a:tailEnd type="triangle" w="lg" len="lg"/>
-            </a:ln>
-          </p:spPr>
-          <p:style>
-            <a:lnRef idx="1">
-              <a:schemeClr val="accent1"/>
-            </a:lnRef>
-            <a:fillRef idx="0">
-              <a:schemeClr val="accent1"/>
-            </a:fillRef>
-            <a:effectRef idx="0">
-              <a:schemeClr val="accent1"/>
-            </a:effectRef>
-            <a:fontRef idx="minor">
-              <a:schemeClr val="tx1"/>
-            </a:fontRef>
-          </p:style>
-        </p:cxnSp>
-        <p:sp>
-          <p:nvSpPr>
-            <p:cNvPr id="20" name="Oval 19">
-              <a:extLst>
-                <a:ext uri="{FF2B5EF4-FFF2-40B4-BE49-F238E27FC236}">
-                  <a16:creationId xmlns:a16="http://schemas.microsoft.com/office/drawing/2014/main" id="{9D552BB2-23F0-4B8F-B91D-A1EAC7C33BEC}"/>
-                </a:ext>
-              </a:extLst>
-            </p:cNvPr>
-            <p:cNvSpPr/>
-            <p:nvPr/>
-          </p:nvSpPr>
-          <p:spPr>
-            <a:xfrm>
-              <a:off x="8853860" y="3429000"/>
-              <a:ext cx="237744" cy="235131"/>
-            </a:xfrm>
-            <a:prstGeom prst="ellipse">
-              <a:avLst/>
-            </a:prstGeom>
-            <a:noFill/>
-            <a:ln w="19050">
-              <a:solidFill>
-                <a:schemeClr val="tx1"/>
-              </a:solidFill>
-            </a:ln>
-          </p:spPr>
-          <p:style>
-            <a:lnRef idx="2">
-              <a:schemeClr val="accent1">
-                <a:shade val="50000"/>
-              </a:schemeClr>
-            </a:lnRef>
-            <a:fillRef idx="1">
-              <a:schemeClr val="accent1"/>
-            </a:fillRef>
-            <a:effectRef idx="0">
-              <a:schemeClr val="accent1"/>
-            </a:effectRef>
-            <a:fontRef idx="minor">
-              <a:schemeClr val="lt1"/>
-            </a:fontRef>
-          </p:style>
-          <p:txBody>
-            <a:bodyPr rtlCol="0" anchor="ctr"/>
-            <a:lstStyle/>
-            <a:p>
-              <a:pPr algn="ctr"/>
-              <a:r>
-                <a:rPr lang="en-US" dirty="0">
+                </a:endParaRPr>
+              </a:p>
+            </p:txBody>
+          </p:sp>
+          <p:sp>
+            <p:nvSpPr>
+              <p:cNvPr id="29" name="Rectangle 28">
+                <a:extLst>
+                  <a:ext uri="{FF2B5EF4-FFF2-40B4-BE49-F238E27FC236}">
+                    <a16:creationId xmlns:a16="http://schemas.microsoft.com/office/drawing/2014/main" id="{78F98898-D3DC-4F14-85DC-C32F7FED4C1B}"/>
+                  </a:ext>
+                </a:extLst>
+              </p:cNvPr>
+              <p:cNvSpPr/>
+              <p:nvPr/>
+            </p:nvSpPr>
+            <p:spPr>
+              <a:xfrm>
+                <a:off x="6629872" y="3244333"/>
+                <a:ext cx="311304" cy="369332"/>
+              </a:xfrm>
+              <a:prstGeom prst="rect">
+                <a:avLst/>
+              </a:prstGeom>
+            </p:spPr>
+            <p:txBody>
+              <a:bodyPr wrap="none">
+                <a:spAutoFit/>
+              </a:bodyPr>
+              <a:lstStyle/>
+              <a:p>
+                <a:pPr algn="ctr"/>
+                <a:r>
+                  <a:rPr lang="en-US" dirty="0">
+                    <a:latin typeface="Consolas" panose="020B0609020204030204" pitchFamily="49" charset="0"/>
+                  </a:rPr>
+                  <a:t>4</a:t>
+                </a:r>
+                <a:endParaRPr lang="en-US" dirty="0">
                   <a:solidFill>
                     <a:schemeClr val="tx1"/>
                   </a:solidFill>
                   <a:latin typeface="Consolas" panose="020B0609020204030204" pitchFamily="49" charset="0"/>
-                </a:rPr>
-                <a:t>5</a:t>
-              </a:r>
-            </a:p>
-          </p:txBody>
-        </p:sp>
-        <p:sp>
-          <p:nvSpPr>
-            <p:cNvPr id="21" name="Arc 20">
-              <a:extLst>
-                <a:ext uri="{FF2B5EF4-FFF2-40B4-BE49-F238E27FC236}">
-                  <a16:creationId xmlns:a16="http://schemas.microsoft.com/office/drawing/2014/main" id="{FC5FC3EF-628D-41C9-99B0-8FDA8062DCA5}"/>
-                </a:ext>
-              </a:extLst>
-            </p:cNvPr>
-            <p:cNvSpPr/>
-            <p:nvPr/>
-          </p:nvSpPr>
-          <p:spPr>
-            <a:xfrm rot="16200000">
-              <a:off x="4700817" y="2702561"/>
-              <a:ext cx="1337490" cy="1452877"/>
-            </a:xfrm>
-            <a:prstGeom prst="arc">
-              <a:avLst>
-                <a:gd name="adj1" fmla="val 16209308"/>
-                <a:gd name="adj2" fmla="val 5349670"/>
-              </a:avLst>
-            </a:prstGeom>
-            <a:ln w="19050">
-              <a:solidFill>
-                <a:schemeClr val="tx1"/>
-              </a:solidFill>
-              <a:headEnd type="none"/>
-              <a:tailEnd type="triangle" w="lg" len="lg"/>
-            </a:ln>
-          </p:spPr>
-          <p:style>
-            <a:lnRef idx="1">
-              <a:schemeClr val="accent1"/>
-            </a:lnRef>
-            <a:fillRef idx="0">
-              <a:schemeClr val="accent1"/>
-            </a:fillRef>
-            <a:effectRef idx="0">
-              <a:schemeClr val="accent1"/>
-            </a:effectRef>
-            <a:fontRef idx="minor">
-              <a:schemeClr val="tx1"/>
-            </a:fontRef>
-          </p:style>
-          <p:txBody>
-            <a:bodyPr rtlCol="0" anchor="ctr"/>
-            <a:lstStyle/>
-            <a:p>
-              <a:pPr algn="ctr"/>
-              <a:endParaRPr lang="en-US"/>
-            </a:p>
-          </p:txBody>
-        </p:sp>
-        <p:sp>
-          <p:nvSpPr>
-            <p:cNvPr id="22" name="Rectangle 21">
-              <a:extLst>
-                <a:ext uri="{FF2B5EF4-FFF2-40B4-BE49-F238E27FC236}">
-                  <a16:creationId xmlns:a16="http://schemas.microsoft.com/office/drawing/2014/main" id="{4050D4ED-0DFA-4278-96CA-76D65B9AAE78}"/>
-                </a:ext>
-              </a:extLst>
-            </p:cNvPr>
-            <p:cNvSpPr/>
-            <p:nvPr/>
-          </p:nvSpPr>
-          <p:spPr>
-            <a:xfrm>
-              <a:off x="3755647" y="3244333"/>
-              <a:ext cx="311304" cy="369332"/>
-            </a:xfrm>
-            <a:prstGeom prst="rect">
-              <a:avLst/>
-            </a:prstGeom>
-          </p:spPr>
-          <p:txBody>
-            <a:bodyPr wrap="none">
-              <a:spAutoFit/>
-            </a:bodyPr>
-            <a:lstStyle/>
-            <a:p>
-              <a:pPr algn="ctr"/>
-              <a:r>
-                <a:rPr lang="en-US" dirty="0">
-                  <a:latin typeface="Consolas" panose="020B0609020204030204" pitchFamily="49" charset="0"/>
-                </a:rPr>
-                <a:t>0</a:t>
-              </a:r>
-              <a:endParaRPr lang="en-US" dirty="0">
-                <a:solidFill>
-                  <a:schemeClr val="tx1"/>
-                </a:solidFill>
-                <a:latin typeface="Consolas" panose="020B0609020204030204" pitchFamily="49" charset="0"/>
-              </a:endParaRPr>
-            </a:p>
-          </p:txBody>
-        </p:sp>
-        <p:cxnSp>
-          <p:nvCxnSpPr>
-            <p:cNvPr id="23" name="Straight Arrow Connector 22">
-              <a:extLst>
-                <a:ext uri="{FF2B5EF4-FFF2-40B4-BE49-F238E27FC236}">
-                  <a16:creationId xmlns:a16="http://schemas.microsoft.com/office/drawing/2014/main" id="{91AEDF7B-DCF0-435F-BC0C-014F13FE378A}"/>
-                </a:ext>
-              </a:extLst>
-            </p:cNvPr>
-            <p:cNvCxnSpPr>
-              <a:cxnSpLocks/>
-            </p:cNvCxnSpPr>
-            <p:nvPr/>
-          </p:nvCxnSpPr>
-          <p:spPr>
-            <a:xfrm rot="16200000" flipV="1">
-              <a:off x="4043377" y="4260471"/>
-              <a:ext cx="1192681" cy="1"/>
-            </a:xfrm>
-            <a:prstGeom prst="straightConnector1">
-              <a:avLst/>
-            </a:prstGeom>
-            <a:ln w="19050">
-              <a:solidFill>
-                <a:schemeClr val="tx1"/>
-              </a:solidFill>
-              <a:tailEnd type="triangle" w="lg" len="lg"/>
-            </a:ln>
-          </p:spPr>
-          <p:style>
-            <a:lnRef idx="1">
-              <a:schemeClr val="accent1"/>
-            </a:lnRef>
-            <a:fillRef idx="0">
-              <a:schemeClr val="accent1"/>
-            </a:fillRef>
-            <a:effectRef idx="0">
-              <a:schemeClr val="accent1"/>
-            </a:effectRef>
-            <a:fontRef idx="minor">
-              <a:schemeClr val="tx1"/>
-            </a:fontRef>
-          </p:style>
-        </p:cxnSp>
-        <p:sp>
-          <p:nvSpPr>
-            <p:cNvPr id="25" name="Oval 24">
-              <a:extLst>
-                <a:ext uri="{FF2B5EF4-FFF2-40B4-BE49-F238E27FC236}">
-                  <a16:creationId xmlns:a16="http://schemas.microsoft.com/office/drawing/2014/main" id="{88162759-5D38-425A-BF58-389EC2CBDDDB}"/>
-                </a:ext>
-              </a:extLst>
-            </p:cNvPr>
-            <p:cNvSpPr/>
-            <p:nvPr/>
-          </p:nvSpPr>
-          <p:spPr>
-            <a:xfrm>
-              <a:off x="4524251" y="4856812"/>
-              <a:ext cx="237744" cy="235131"/>
-            </a:xfrm>
-            <a:prstGeom prst="ellipse">
-              <a:avLst/>
-            </a:prstGeom>
-            <a:noFill/>
-            <a:ln w="19050">
-              <a:solidFill>
-                <a:schemeClr val="tx1"/>
-              </a:solidFill>
-            </a:ln>
-          </p:spPr>
-          <p:style>
-            <a:lnRef idx="2">
-              <a:schemeClr val="accent1">
-                <a:shade val="50000"/>
-              </a:schemeClr>
-            </a:lnRef>
-            <a:fillRef idx="1">
-              <a:schemeClr val="accent1"/>
-            </a:fillRef>
-            <a:effectRef idx="0">
-              <a:schemeClr val="accent1"/>
-            </a:effectRef>
-            <a:fontRef idx="minor">
-              <a:schemeClr val="lt1"/>
-            </a:fontRef>
-          </p:style>
-          <p:txBody>
-            <a:bodyPr rtlCol="0" anchor="ctr"/>
-            <a:lstStyle/>
-            <a:p>
-              <a:pPr algn="ctr"/>
-              <a:r>
-                <a:rPr lang="en-US" dirty="0">
+                </a:endParaRPr>
+              </a:p>
+            </p:txBody>
+          </p:sp>
+          <p:sp>
+            <p:nvSpPr>
+              <p:cNvPr id="30" name="Rectangle 29">
+                <a:extLst>
+                  <a:ext uri="{FF2B5EF4-FFF2-40B4-BE49-F238E27FC236}">
+                    <a16:creationId xmlns:a16="http://schemas.microsoft.com/office/drawing/2014/main" id="{5F343474-9A5F-49DC-80AD-F0D4B509B51E}"/>
+                  </a:ext>
+                </a:extLst>
+              </p:cNvPr>
+              <p:cNvSpPr/>
+              <p:nvPr/>
+            </p:nvSpPr>
+            <p:spPr>
+              <a:xfrm>
+                <a:off x="8130298" y="3244333"/>
+                <a:ext cx="311304" cy="369332"/>
+              </a:xfrm>
+              <a:prstGeom prst="rect">
+                <a:avLst/>
+              </a:prstGeom>
+            </p:spPr>
+            <p:txBody>
+              <a:bodyPr wrap="none">
+                <a:spAutoFit/>
+              </a:bodyPr>
+              <a:lstStyle/>
+              <a:p>
+                <a:pPr algn="ctr"/>
+                <a:r>
+                  <a:rPr lang="en-US" dirty="0">
+                    <a:latin typeface="Consolas" panose="020B0609020204030204" pitchFamily="49" charset="0"/>
+                  </a:rPr>
+                  <a:t>5</a:t>
+                </a:r>
+                <a:endParaRPr lang="en-US" dirty="0">
                   <a:solidFill>
                     <a:schemeClr val="tx1"/>
                   </a:solidFill>
                   <a:latin typeface="Consolas" panose="020B0609020204030204" pitchFamily="49" charset="0"/>
-                </a:rPr>
-                <a:t>1</a:t>
-              </a:r>
-            </a:p>
-          </p:txBody>
-        </p:sp>
-        <p:sp>
-          <p:nvSpPr>
-            <p:cNvPr id="26" name="Rectangle 25">
+                </a:endParaRPr>
+              </a:p>
+            </p:txBody>
+          </p:sp>
+        </p:grpSp>
+        <p:grpSp>
+          <p:nvGrpSpPr>
+            <p:cNvPr id="37" name="Group 36">
               <a:extLst>
                 <a:ext uri="{FF2B5EF4-FFF2-40B4-BE49-F238E27FC236}">
-                  <a16:creationId xmlns:a16="http://schemas.microsoft.com/office/drawing/2014/main" id="{E7238CF1-DAC5-4030-BDF9-B08BA6D9F7CD}"/>
+                  <a16:creationId xmlns:a16="http://schemas.microsoft.com/office/drawing/2014/main" id="{CE92D3D0-59A8-405E-86EC-7E15790F5D45}"/>
                 </a:ext>
               </a:extLst>
             </p:cNvPr>
-            <p:cNvSpPr/>
+            <p:cNvGrpSpPr/>
             <p:nvPr/>
-          </p:nvSpPr>
-          <p:spPr>
+          </p:nvGrpSpPr>
+          <p:grpSpPr>
             <a:xfrm>
-              <a:off x="5212114" y="3244333"/>
-              <a:ext cx="311304" cy="369332"/>
+              <a:off x="3460988" y="2707515"/>
+              <a:ext cx="926663" cy="419253"/>
+              <a:chOff x="3716460" y="2858020"/>
+              <a:chExt cx="926663" cy="419253"/>
             </a:xfrm>
-            <a:prstGeom prst="rect">
-              <a:avLst/>
-            </a:prstGeom>
-          </p:spPr>
-          <p:txBody>
-            <a:bodyPr wrap="none">
-              <a:spAutoFit/>
-            </a:bodyPr>
-            <a:lstStyle/>
-            <a:p>
-              <a:pPr algn="ctr"/>
-              <a:r>
-                <a:rPr lang="en-US" dirty="0">
-                  <a:latin typeface="Consolas" panose="020B0609020204030204" pitchFamily="49" charset="0"/>
-                </a:rPr>
-                <a:t>3</a:t>
-              </a:r>
-              <a:endParaRPr lang="en-US" dirty="0">
-                <a:solidFill>
-                  <a:schemeClr val="tx1"/>
-                </a:solidFill>
-                <a:latin typeface="Consolas" panose="020B0609020204030204" pitchFamily="49" charset="0"/>
-              </a:endParaRPr>
-            </a:p>
-          </p:txBody>
-        </p:sp>
-        <p:sp>
-          <p:nvSpPr>
-            <p:cNvPr id="27" name="Rectangle 26">
+          </p:grpSpPr>
+          <p:pic>
+            <p:nvPicPr>
+              <p:cNvPr id="24" name="Picture 23">
+                <a:extLst>
+                  <a:ext uri="{FF2B5EF4-FFF2-40B4-BE49-F238E27FC236}">
+                    <a16:creationId xmlns:a16="http://schemas.microsoft.com/office/drawing/2014/main" id="{45DC4887-4EAA-4A68-98BF-49624EDA486F}"/>
+                  </a:ext>
+                </a:extLst>
+              </p:cNvPr>
+              <p:cNvPicPr>
+                <a:picLocks noChangeAspect="1"/>
+              </p:cNvPicPr>
+              <p:nvPr/>
+            </p:nvPicPr>
+            <p:blipFill>
+              <a:blip r:embed="rId2"/>
+              <a:stretch>
+                <a:fillRect/>
+              </a:stretch>
+            </p:blipFill>
+            <p:spPr>
+              <a:xfrm>
+                <a:off x="3781730" y="2899435"/>
+                <a:ext cx="861393" cy="377838"/>
+              </a:xfrm>
+              <a:prstGeom prst="rect">
+                <a:avLst/>
+              </a:prstGeom>
+            </p:spPr>
+          </p:pic>
+          <p:sp>
+            <p:nvSpPr>
+              <p:cNvPr id="34" name="TextBox 33">
+                <a:extLst>
+                  <a:ext uri="{FF2B5EF4-FFF2-40B4-BE49-F238E27FC236}">
+                    <a16:creationId xmlns:a16="http://schemas.microsoft.com/office/drawing/2014/main" id="{726B80FF-31D5-4235-A241-A35FC0C2E838}"/>
+                  </a:ext>
+                </a:extLst>
+              </p:cNvPr>
+              <p:cNvSpPr txBox="1"/>
+              <p:nvPr/>
+            </p:nvSpPr>
+            <p:spPr>
+              <a:xfrm>
+                <a:off x="3716460" y="2858020"/>
+                <a:ext cx="651076" cy="307777"/>
+              </a:xfrm>
+              <a:prstGeom prst="rect">
+                <a:avLst/>
+              </a:prstGeom>
+              <a:noFill/>
+            </p:spPr>
+            <p:txBody>
+              <a:bodyPr wrap="none" rtlCol="0">
+                <a:spAutoFit/>
+              </a:bodyPr>
+              <a:lstStyle/>
+              <a:p>
+                <a:r>
+                  <a:rPr lang="en-US" sz="1400" dirty="0"/>
+                  <a:t>path 2</a:t>
+                </a:r>
+              </a:p>
+            </p:txBody>
+          </p:sp>
+        </p:grpSp>
+        <p:grpSp>
+          <p:nvGrpSpPr>
+            <p:cNvPr id="39" name="Group 38">
               <a:extLst>
                 <a:ext uri="{FF2B5EF4-FFF2-40B4-BE49-F238E27FC236}">
-                  <a16:creationId xmlns:a16="http://schemas.microsoft.com/office/drawing/2014/main" id="{64B23758-8969-41D1-AB10-3E1FF8E93DDC}"/>
+                  <a16:creationId xmlns:a16="http://schemas.microsoft.com/office/drawing/2014/main" id="{518B98C9-791C-4D8C-BC40-DA5C9CC68E91}"/>
                 </a:ext>
               </a:extLst>
             </p:cNvPr>
-            <p:cNvSpPr/>
+            <p:cNvGrpSpPr/>
             <p:nvPr/>
-          </p:nvSpPr>
-          <p:spPr>
+          </p:nvGrpSpPr>
+          <p:grpSpPr>
             <a:xfrm>
-              <a:off x="4365009" y="4148211"/>
-              <a:ext cx="311304" cy="369332"/>
+              <a:off x="4931785" y="3805448"/>
+              <a:ext cx="458134" cy="910045"/>
+              <a:chOff x="4794349" y="3671433"/>
+              <a:chExt cx="458134" cy="910045"/>
             </a:xfrm>
-            <a:prstGeom prst="rect">
-              <a:avLst/>
-            </a:prstGeom>
-          </p:spPr>
-          <p:txBody>
-            <a:bodyPr wrap="none">
-              <a:spAutoFit/>
-            </a:bodyPr>
-            <a:lstStyle/>
-            <a:p>
-              <a:pPr algn="ctr"/>
-              <a:r>
-                <a:rPr lang="en-US" dirty="0">
-                  <a:latin typeface="Consolas" panose="020B0609020204030204" pitchFamily="49" charset="0"/>
-                </a:rPr>
-                <a:t>1</a:t>
-              </a:r>
-              <a:endParaRPr lang="en-US" dirty="0">
-                <a:solidFill>
-                  <a:schemeClr val="tx1"/>
-                </a:solidFill>
-                <a:latin typeface="Consolas" panose="020B0609020204030204" pitchFamily="49" charset="0"/>
-              </a:endParaRPr>
-            </a:p>
-          </p:txBody>
-        </p:sp>
-        <p:sp>
-          <p:nvSpPr>
-            <p:cNvPr id="28" name="Rectangle 27">
+          </p:grpSpPr>
+          <p:pic>
+            <p:nvPicPr>
+              <p:cNvPr id="13" name="Picture 12">
+                <a:extLst>
+                  <a:ext uri="{FF2B5EF4-FFF2-40B4-BE49-F238E27FC236}">
+                    <a16:creationId xmlns:a16="http://schemas.microsoft.com/office/drawing/2014/main" id="{11F3BD4E-E814-4600-880C-0E21426B5ABA}"/>
+                  </a:ext>
+                </a:extLst>
+              </p:cNvPr>
+              <p:cNvPicPr>
+                <a:picLocks noChangeAspect="1"/>
+              </p:cNvPicPr>
+              <p:nvPr/>
+            </p:nvPicPr>
+            <p:blipFill>
+              <a:blip r:embed="rId3"/>
+              <a:stretch>
+                <a:fillRect/>
+              </a:stretch>
+            </p:blipFill>
+            <p:spPr>
+              <a:xfrm>
+                <a:off x="4794349" y="3671433"/>
+                <a:ext cx="458134" cy="834389"/>
+              </a:xfrm>
+              <a:prstGeom prst="rect">
+                <a:avLst/>
+              </a:prstGeom>
+            </p:spPr>
+          </p:pic>
+          <p:sp>
+            <p:nvSpPr>
+              <p:cNvPr id="35" name="TextBox 34">
+                <a:extLst>
+                  <a:ext uri="{FF2B5EF4-FFF2-40B4-BE49-F238E27FC236}">
+                    <a16:creationId xmlns:a16="http://schemas.microsoft.com/office/drawing/2014/main" id="{DB12FF01-98EC-4459-BEDB-103C63182607}"/>
+                  </a:ext>
+                </a:extLst>
+              </p:cNvPr>
+              <p:cNvSpPr txBox="1"/>
+              <p:nvPr/>
+            </p:nvSpPr>
+            <p:spPr>
+              <a:xfrm rot="16200000">
+                <a:off x="4735973" y="4102051"/>
+                <a:ext cx="651076" cy="307777"/>
+              </a:xfrm>
+              <a:prstGeom prst="rect">
+                <a:avLst/>
+              </a:prstGeom>
+              <a:noFill/>
+            </p:spPr>
+            <p:txBody>
+              <a:bodyPr wrap="none" rtlCol="0">
+                <a:spAutoFit/>
+              </a:bodyPr>
+              <a:lstStyle/>
+              <a:p>
+                <a:r>
+                  <a:rPr lang="en-US" sz="1400" dirty="0"/>
+                  <a:t>path 3</a:t>
+                </a:r>
+              </a:p>
+            </p:txBody>
+          </p:sp>
+        </p:grpSp>
+        <p:grpSp>
+          <p:nvGrpSpPr>
+            <p:cNvPr id="38" name="Group 37">
               <a:extLst>
                 <a:ext uri="{FF2B5EF4-FFF2-40B4-BE49-F238E27FC236}">
-                  <a16:creationId xmlns:a16="http://schemas.microsoft.com/office/drawing/2014/main" id="{13EE467C-E5A4-4CF4-9FA5-221A4DC0CA3E}"/>
+                  <a16:creationId xmlns:a16="http://schemas.microsoft.com/office/drawing/2014/main" id="{35AC0596-30E7-4C49-B971-E98076506638}"/>
                 </a:ext>
               </a:extLst>
             </p:cNvPr>
-            <p:cNvSpPr/>
+            <p:cNvGrpSpPr/>
             <p:nvPr/>
-          </p:nvSpPr>
-          <p:spPr>
+          </p:nvGrpSpPr>
+          <p:grpSpPr>
             <a:xfrm>
-              <a:off x="5213910" y="2448296"/>
-              <a:ext cx="311304" cy="369332"/>
+              <a:off x="3529407" y="3731230"/>
+              <a:ext cx="816148" cy="449896"/>
+              <a:chOff x="3740649" y="3656900"/>
+              <a:chExt cx="816148" cy="449896"/>
             </a:xfrm>
-            <a:prstGeom prst="rect">
-              <a:avLst/>
-            </a:prstGeom>
-          </p:spPr>
-          <p:txBody>
-            <a:bodyPr wrap="none">
-              <a:spAutoFit/>
-            </a:bodyPr>
-            <a:lstStyle/>
-            <a:p>
-              <a:pPr algn="ctr"/>
-              <a:r>
-                <a:rPr lang="en-US" dirty="0">
-                  <a:latin typeface="Consolas" panose="020B0609020204030204" pitchFamily="49" charset="0"/>
-                </a:rPr>
-                <a:t>2</a:t>
-              </a:r>
-              <a:endParaRPr lang="en-US" dirty="0">
-                <a:solidFill>
-                  <a:schemeClr val="tx1"/>
-                </a:solidFill>
-                <a:latin typeface="Consolas" panose="020B0609020204030204" pitchFamily="49" charset="0"/>
-              </a:endParaRPr>
-            </a:p>
-          </p:txBody>
-        </p:sp>
-        <p:sp>
-          <p:nvSpPr>
-            <p:cNvPr id="29" name="Rectangle 28">
-              <a:extLst>
-                <a:ext uri="{FF2B5EF4-FFF2-40B4-BE49-F238E27FC236}">
-                  <a16:creationId xmlns:a16="http://schemas.microsoft.com/office/drawing/2014/main" id="{78F98898-D3DC-4F14-85DC-C32F7FED4C1B}"/>
-                </a:ext>
-              </a:extLst>
-            </p:cNvPr>
-            <p:cNvSpPr/>
-            <p:nvPr/>
-          </p:nvSpPr>
-          <p:spPr>
-            <a:xfrm>
-              <a:off x="6629872" y="3244333"/>
-              <a:ext cx="311304" cy="369332"/>
-            </a:xfrm>
-            <a:prstGeom prst="rect">
-              <a:avLst/>
-            </a:prstGeom>
-          </p:spPr>
-          <p:txBody>
-            <a:bodyPr wrap="none">
-              <a:spAutoFit/>
-            </a:bodyPr>
-            <a:lstStyle/>
-            <a:p>
-              <a:pPr algn="ctr"/>
-              <a:r>
-                <a:rPr lang="en-US" dirty="0">
-                  <a:latin typeface="Consolas" panose="020B0609020204030204" pitchFamily="49" charset="0"/>
-                </a:rPr>
-                <a:t>4</a:t>
-              </a:r>
-              <a:endParaRPr lang="en-US" dirty="0">
-                <a:solidFill>
-                  <a:schemeClr val="tx1"/>
-                </a:solidFill>
-                <a:latin typeface="Consolas" panose="020B0609020204030204" pitchFamily="49" charset="0"/>
-              </a:endParaRPr>
-            </a:p>
-          </p:txBody>
-        </p:sp>
-        <p:sp>
-          <p:nvSpPr>
-            <p:cNvPr id="30" name="Rectangle 29">
-              <a:extLst>
-                <a:ext uri="{FF2B5EF4-FFF2-40B4-BE49-F238E27FC236}">
-                  <a16:creationId xmlns:a16="http://schemas.microsoft.com/office/drawing/2014/main" id="{5F343474-9A5F-49DC-80AD-F0D4B509B51E}"/>
-                </a:ext>
-              </a:extLst>
-            </p:cNvPr>
-            <p:cNvSpPr/>
-            <p:nvPr/>
-          </p:nvSpPr>
-          <p:spPr>
-            <a:xfrm>
-              <a:off x="8130298" y="3244333"/>
-              <a:ext cx="311304" cy="369332"/>
-            </a:xfrm>
-            <a:prstGeom prst="rect">
-              <a:avLst/>
-            </a:prstGeom>
-          </p:spPr>
-          <p:txBody>
-            <a:bodyPr wrap="none">
-              <a:spAutoFit/>
-            </a:bodyPr>
-            <a:lstStyle/>
-            <a:p>
-              <a:pPr algn="ctr"/>
-              <a:r>
-                <a:rPr lang="en-US" dirty="0">
-                  <a:latin typeface="Consolas" panose="020B0609020204030204" pitchFamily="49" charset="0"/>
-                </a:rPr>
-                <a:t>5</a:t>
-              </a:r>
-              <a:endParaRPr lang="en-US" dirty="0">
-                <a:solidFill>
-                  <a:schemeClr val="tx1"/>
-                </a:solidFill>
-                <a:latin typeface="Consolas" panose="020B0609020204030204" pitchFamily="49" charset="0"/>
-              </a:endParaRPr>
-            </a:p>
-          </p:txBody>
-        </p:sp>
+          </p:grpSpPr>
+          <p:pic>
+            <p:nvPicPr>
+              <p:cNvPr id="36" name="Picture 35">
+                <a:extLst>
+                  <a:ext uri="{FF2B5EF4-FFF2-40B4-BE49-F238E27FC236}">
+                    <a16:creationId xmlns:a16="http://schemas.microsoft.com/office/drawing/2014/main" id="{DE4F9BDC-D2B6-4DAA-AAAB-8E2CA7C21FC0}"/>
+                  </a:ext>
+                </a:extLst>
+              </p:cNvPr>
+              <p:cNvPicPr>
+                <a:picLocks noChangeAspect="1"/>
+              </p:cNvPicPr>
+              <p:nvPr/>
+            </p:nvPicPr>
+            <p:blipFill>
+              <a:blip r:embed="rId4"/>
+              <a:stretch>
+                <a:fillRect/>
+              </a:stretch>
+            </p:blipFill>
+            <p:spPr>
+              <a:xfrm>
+                <a:off x="3740649" y="3656900"/>
+                <a:ext cx="816148" cy="281506"/>
+              </a:xfrm>
+              <a:prstGeom prst="rect">
+                <a:avLst/>
+              </a:prstGeom>
+            </p:spPr>
+          </p:pic>
+          <p:sp>
+            <p:nvSpPr>
+              <p:cNvPr id="33" name="TextBox 32">
+                <a:extLst>
+                  <a:ext uri="{FF2B5EF4-FFF2-40B4-BE49-F238E27FC236}">
+                    <a16:creationId xmlns:a16="http://schemas.microsoft.com/office/drawing/2014/main" id="{907A1F8F-E13F-4A98-9F36-5077135459B0}"/>
+                  </a:ext>
+                </a:extLst>
+              </p:cNvPr>
+              <p:cNvSpPr txBox="1"/>
+              <p:nvPr/>
+            </p:nvSpPr>
+            <p:spPr>
+              <a:xfrm>
+                <a:off x="3748191" y="3799019"/>
+                <a:ext cx="651076" cy="307777"/>
+              </a:xfrm>
+              <a:prstGeom prst="rect">
+                <a:avLst/>
+              </a:prstGeom>
+              <a:noFill/>
+            </p:spPr>
+            <p:txBody>
+              <a:bodyPr wrap="none" rtlCol="0">
+                <a:spAutoFit/>
+              </a:bodyPr>
+              <a:lstStyle/>
+              <a:p>
+                <a:r>
+                  <a:rPr lang="en-US" sz="1400" dirty="0"/>
+                  <a:t>path 1</a:t>
+                </a:r>
+              </a:p>
+            </p:txBody>
+          </p:sp>
+        </p:grpSp>
       </p:grpSp>
     </p:spTree>
     <p:extLst>

--- a/figs/figs.pptx
+++ b/figs/figs.pptx
@@ -6,7 +6,9 @@
   </p:sldMasterIdLst>
   <p:sldIdLst>
     <p:sldId id="256" r:id="rId2"/>
-    <p:sldId id="257" r:id="rId3"/>
+    <p:sldId id="258" r:id="rId3"/>
+    <p:sldId id="257" r:id="rId4"/>
+    <p:sldId id="259" r:id="rId5"/>
   </p:sldIdLst>
   <p:sldSz cx="12192000" cy="6858000"/>
   <p:notesSz cx="6858000" cy="9144000"/>
@@ -260,7 +262,7 @@
           <a:p>
             <a:fld id="{F5276DE4-D73B-4163-98BE-86CFAF5015C7}" type="datetimeFigureOut">
               <a:rPr lang="en-US" smtClean="0"/>
-              <a:t>4/18/2018</a:t>
+              <a:t>4/19/2018</a:t>
             </a:fld>
             <a:endParaRPr lang="en-US"/>
           </a:p>
@@ -458,7 +460,7 @@
           <a:p>
             <a:fld id="{F5276DE4-D73B-4163-98BE-86CFAF5015C7}" type="datetimeFigureOut">
               <a:rPr lang="en-US" smtClean="0"/>
-              <a:t>4/18/2018</a:t>
+              <a:t>4/19/2018</a:t>
             </a:fld>
             <a:endParaRPr lang="en-US"/>
           </a:p>
@@ -666,7 +668,7 @@
           <a:p>
             <a:fld id="{F5276DE4-D73B-4163-98BE-86CFAF5015C7}" type="datetimeFigureOut">
               <a:rPr lang="en-US" smtClean="0"/>
-              <a:t>4/18/2018</a:t>
+              <a:t>4/19/2018</a:t>
             </a:fld>
             <a:endParaRPr lang="en-US"/>
           </a:p>
@@ -864,7 +866,7 @@
           <a:p>
             <a:fld id="{F5276DE4-D73B-4163-98BE-86CFAF5015C7}" type="datetimeFigureOut">
               <a:rPr lang="en-US" smtClean="0"/>
-              <a:t>4/18/2018</a:t>
+              <a:t>4/19/2018</a:t>
             </a:fld>
             <a:endParaRPr lang="en-US"/>
           </a:p>
@@ -1139,7 +1141,7 @@
           <a:p>
             <a:fld id="{F5276DE4-D73B-4163-98BE-86CFAF5015C7}" type="datetimeFigureOut">
               <a:rPr lang="en-US" smtClean="0"/>
-              <a:t>4/18/2018</a:t>
+              <a:t>4/19/2018</a:t>
             </a:fld>
             <a:endParaRPr lang="en-US"/>
           </a:p>
@@ -1404,7 +1406,7 @@
           <a:p>
             <a:fld id="{F5276DE4-D73B-4163-98BE-86CFAF5015C7}" type="datetimeFigureOut">
               <a:rPr lang="en-US" smtClean="0"/>
-              <a:t>4/18/2018</a:t>
+              <a:t>4/19/2018</a:t>
             </a:fld>
             <a:endParaRPr lang="en-US"/>
           </a:p>
@@ -1816,7 +1818,7 @@
           <a:p>
             <a:fld id="{F5276DE4-D73B-4163-98BE-86CFAF5015C7}" type="datetimeFigureOut">
               <a:rPr lang="en-US" smtClean="0"/>
-              <a:t>4/18/2018</a:t>
+              <a:t>4/19/2018</a:t>
             </a:fld>
             <a:endParaRPr lang="en-US"/>
           </a:p>
@@ -1957,7 +1959,7 @@
           <a:p>
             <a:fld id="{F5276DE4-D73B-4163-98BE-86CFAF5015C7}" type="datetimeFigureOut">
               <a:rPr lang="en-US" smtClean="0"/>
-              <a:t>4/18/2018</a:t>
+              <a:t>4/19/2018</a:t>
             </a:fld>
             <a:endParaRPr lang="en-US"/>
           </a:p>
@@ -2070,7 +2072,7 @@
           <a:p>
             <a:fld id="{F5276DE4-D73B-4163-98BE-86CFAF5015C7}" type="datetimeFigureOut">
               <a:rPr lang="en-US" smtClean="0"/>
-              <a:t>4/18/2018</a:t>
+              <a:t>4/19/2018</a:t>
             </a:fld>
             <a:endParaRPr lang="en-US"/>
           </a:p>
@@ -2381,7 +2383,7 @@
           <a:p>
             <a:fld id="{F5276DE4-D73B-4163-98BE-86CFAF5015C7}" type="datetimeFigureOut">
               <a:rPr lang="en-US" smtClean="0"/>
-              <a:t>4/18/2018</a:t>
+              <a:t>4/19/2018</a:t>
             </a:fld>
             <a:endParaRPr lang="en-US"/>
           </a:p>
@@ -2669,7 +2671,7 @@
           <a:p>
             <a:fld id="{F5276DE4-D73B-4163-98BE-86CFAF5015C7}" type="datetimeFigureOut">
               <a:rPr lang="en-US" smtClean="0"/>
-              <a:t>4/18/2018</a:t>
+              <a:t>4/19/2018</a:t>
             </a:fld>
             <a:endParaRPr lang="en-US"/>
           </a:p>
@@ -2910,7 +2912,7 @@
           <a:p>
             <a:fld id="{F5276DE4-D73B-4163-98BE-86CFAF5015C7}" type="datetimeFigureOut">
               <a:rPr lang="en-US" smtClean="0"/>
-              <a:t>4/18/2018</a:t>
+              <a:t>4/19/2018</a:t>
             </a:fld>
             <a:endParaRPr lang="en-US"/>
           </a:p>
@@ -4551,6 +4553,123 @@
       </p:grpSpPr>
       <p:grpSp>
         <p:nvGrpSpPr>
+          <p:cNvPr id="5" name="Group 4">
+            <a:extLst>
+              <a:ext uri="{FF2B5EF4-FFF2-40B4-BE49-F238E27FC236}">
+                <a16:creationId xmlns:a16="http://schemas.microsoft.com/office/drawing/2014/main" id="{BD68B02F-8431-4D24-ADD7-0845771E7F51}"/>
+              </a:ext>
+            </a:extLst>
+          </p:cNvPr>
+          <p:cNvGrpSpPr/>
+          <p:nvPr/>
+        </p:nvGrpSpPr>
+        <p:grpSpPr>
+          <a:xfrm>
+            <a:off x="3169914" y="1234435"/>
+            <a:ext cx="5852172" cy="4389129"/>
+            <a:chOff x="3169914" y="1234435"/>
+            <a:chExt cx="5852172" cy="4389129"/>
+          </a:xfrm>
+        </p:grpSpPr>
+        <p:pic>
+          <p:nvPicPr>
+            <p:cNvPr id="3" name="Picture 2">
+              <a:extLst>
+                <a:ext uri="{FF2B5EF4-FFF2-40B4-BE49-F238E27FC236}">
+                  <a16:creationId xmlns:a16="http://schemas.microsoft.com/office/drawing/2014/main" id="{6ED93C16-FCF5-4950-8994-C778AB7CFAD6}"/>
+                </a:ext>
+              </a:extLst>
+            </p:cNvPr>
+            <p:cNvPicPr>
+              <a:picLocks noChangeAspect="1"/>
+            </p:cNvPicPr>
+            <p:nvPr/>
+          </p:nvPicPr>
+          <p:blipFill>
+            <a:blip r:embed="rId2">
+              <a:extLst>
+                <a:ext uri="{28A0092B-C50C-407E-A947-70E740481C1C}">
+                  <a14:useLocalDpi xmlns:a14="http://schemas.microsoft.com/office/drawing/2010/main" val="0"/>
+                </a:ext>
+              </a:extLst>
+            </a:blip>
+            <a:stretch>
+              <a:fillRect/>
+            </a:stretch>
+          </p:blipFill>
+          <p:spPr>
+            <a:xfrm>
+              <a:off x="3169914" y="1234435"/>
+              <a:ext cx="5852172" cy="4389129"/>
+            </a:xfrm>
+            <a:prstGeom prst="rect">
+              <a:avLst/>
+            </a:prstGeom>
+          </p:spPr>
+        </p:pic>
+        <p:pic>
+          <p:nvPicPr>
+            <p:cNvPr id="4" name="Picture 3">
+              <a:extLst>
+                <a:ext uri="{FF2B5EF4-FFF2-40B4-BE49-F238E27FC236}">
+                  <a16:creationId xmlns:a16="http://schemas.microsoft.com/office/drawing/2014/main" id="{7CA29EFF-958E-4858-B6DD-3A81A96A8C0A}"/>
+                </a:ext>
+              </a:extLst>
+            </p:cNvPr>
+            <p:cNvPicPr>
+              <a:picLocks noChangeAspect="1"/>
+            </p:cNvPicPr>
+            <p:nvPr/>
+          </p:nvPicPr>
+          <p:blipFill>
+            <a:blip r:embed="rId3"/>
+            <a:stretch>
+              <a:fillRect/>
+            </a:stretch>
+          </p:blipFill>
+          <p:spPr>
+            <a:xfrm>
+              <a:off x="6308725" y="5175890"/>
+              <a:ext cx="212725" cy="263108"/>
+            </a:xfrm>
+            <a:prstGeom prst="rect">
+              <a:avLst/>
+            </a:prstGeom>
+          </p:spPr>
+        </p:pic>
+      </p:grpSp>
+    </p:spTree>
+    <p:extLst>
+      <p:ext uri="{BB962C8B-B14F-4D97-AF65-F5344CB8AC3E}">
+        <p14:creationId xmlns:p14="http://schemas.microsoft.com/office/powerpoint/2010/main" val="2437232834"/>
+      </p:ext>
+    </p:extLst>
+  </p:cSld>
+  <p:clrMapOvr>
+    <a:masterClrMapping/>
+  </p:clrMapOvr>
+</p:sld>
+</file>
+
+<file path=ppt/slides/slide3.xml><?xml version="1.0" encoding="utf-8"?>
+<p:sld xmlns:a="http://schemas.openxmlformats.org/drawingml/2006/main" xmlns:r="http://schemas.openxmlformats.org/officeDocument/2006/relationships" xmlns:p="http://schemas.openxmlformats.org/presentationml/2006/main">
+  <p:cSld>
+    <p:spTree>
+      <p:nvGrpSpPr>
+        <p:cNvPr id="1" name=""/>
+        <p:cNvGrpSpPr/>
+        <p:nvPr/>
+      </p:nvGrpSpPr>
+      <p:grpSpPr>
+        <a:xfrm>
+          <a:off x="0" y="0"/>
+          <a:ext cx="0" cy="0"/>
+          <a:chOff x="0" y="0"/>
+          <a:chExt cx="0" cy="0"/>
+        </a:xfrm>
+      </p:grpSpPr>
+      <p:grpSp>
+        <p:nvGrpSpPr>
           <p:cNvPr id="47" name="Group 46">
             <a:extLst>
               <a:ext uri="{FF2B5EF4-FFF2-40B4-BE49-F238E27FC236}">
@@ -4903,6 +5022,323 @@
 </p:sld>
 </file>
 
+<file path=ppt/slides/slide4.xml><?xml version="1.0" encoding="utf-8"?>
+<p:sld xmlns:a="http://schemas.openxmlformats.org/drawingml/2006/main" xmlns:r="http://schemas.openxmlformats.org/officeDocument/2006/relationships" xmlns:p="http://schemas.openxmlformats.org/presentationml/2006/main">
+  <p:cSld>
+    <p:spTree>
+      <p:nvGrpSpPr>
+        <p:cNvPr id="1" name=""/>
+        <p:cNvGrpSpPr/>
+        <p:nvPr/>
+      </p:nvGrpSpPr>
+      <p:grpSpPr>
+        <a:xfrm>
+          <a:off x="0" y="0"/>
+          <a:ext cx="0" cy="0"/>
+          <a:chOff x="0" y="0"/>
+          <a:chExt cx="0" cy="0"/>
+        </a:xfrm>
+      </p:grpSpPr>
+      <p:grpSp>
+        <p:nvGrpSpPr>
+          <p:cNvPr id="10" name="Group 9">
+            <a:extLst>
+              <a:ext uri="{FF2B5EF4-FFF2-40B4-BE49-F238E27FC236}">
+                <a16:creationId xmlns:a16="http://schemas.microsoft.com/office/drawing/2014/main" id="{FEBB8BD1-F506-4DEA-BF08-8A5EB42399F6}"/>
+              </a:ext>
+            </a:extLst>
+          </p:cNvPr>
+          <p:cNvGrpSpPr/>
+          <p:nvPr/>
+        </p:nvGrpSpPr>
+        <p:grpSpPr>
+          <a:xfrm>
+            <a:off x="3429220" y="1429677"/>
+            <a:ext cx="5333559" cy="3998645"/>
+            <a:chOff x="3429220" y="1429677"/>
+            <a:chExt cx="5333559" cy="3998645"/>
+          </a:xfrm>
+        </p:grpSpPr>
+        <p:grpSp>
+          <p:nvGrpSpPr>
+            <p:cNvPr id="16" name="Group 15">
+              <a:extLst>
+                <a:ext uri="{FF2B5EF4-FFF2-40B4-BE49-F238E27FC236}">
+                  <a16:creationId xmlns:a16="http://schemas.microsoft.com/office/drawing/2014/main" id="{D034E0B1-9F1B-4823-A31E-906564C7C397}"/>
+                </a:ext>
+              </a:extLst>
+            </p:cNvPr>
+            <p:cNvGrpSpPr/>
+            <p:nvPr/>
+          </p:nvGrpSpPr>
+          <p:grpSpPr>
+            <a:xfrm>
+              <a:off x="3429220" y="1429677"/>
+              <a:ext cx="5333559" cy="3998645"/>
+              <a:chOff x="3429220" y="1429677"/>
+              <a:chExt cx="5333559" cy="3998645"/>
+            </a:xfrm>
+          </p:grpSpPr>
+          <p:pic>
+            <p:nvPicPr>
+              <p:cNvPr id="3" name="Picture 2">
+                <a:extLst>
+                  <a:ext uri="{FF2B5EF4-FFF2-40B4-BE49-F238E27FC236}">
+                    <a16:creationId xmlns:a16="http://schemas.microsoft.com/office/drawing/2014/main" id="{2AE50842-1A82-405C-99F5-33DC88FC9077}"/>
+                  </a:ext>
+                </a:extLst>
+              </p:cNvPr>
+              <p:cNvPicPr>
+                <a:picLocks noChangeAspect="1"/>
+              </p:cNvPicPr>
+              <p:nvPr/>
+            </p:nvPicPr>
+            <p:blipFill>
+              <a:blip r:embed="rId2">
+                <a:extLst>
+                  <a:ext uri="{28A0092B-C50C-407E-A947-70E740481C1C}">
+                    <a14:useLocalDpi xmlns:a14="http://schemas.microsoft.com/office/drawing/2010/main" val="0"/>
+                  </a:ext>
+                </a:extLst>
+              </a:blip>
+              <a:stretch>
+                <a:fillRect/>
+              </a:stretch>
+            </p:blipFill>
+            <p:spPr>
+              <a:xfrm>
+                <a:off x="3429220" y="1429677"/>
+                <a:ext cx="5333559" cy="3998645"/>
+              </a:xfrm>
+              <a:prstGeom prst="rect">
+                <a:avLst/>
+              </a:prstGeom>
+            </p:spPr>
+          </p:pic>
+          <p:cxnSp>
+            <p:nvCxnSpPr>
+              <p:cNvPr id="5" name="Straight Arrow Connector 4">
+                <a:extLst>
+                  <a:ext uri="{FF2B5EF4-FFF2-40B4-BE49-F238E27FC236}">
+                    <a16:creationId xmlns:a16="http://schemas.microsoft.com/office/drawing/2014/main" id="{71373264-68FD-4B01-8FE3-872711A987D6}"/>
+                  </a:ext>
+                </a:extLst>
+              </p:cNvPr>
+              <p:cNvCxnSpPr/>
+              <p:nvPr/>
+            </p:nvCxnSpPr>
+            <p:spPr>
+              <a:xfrm flipH="1">
+                <a:off x="5590903" y="3361509"/>
+                <a:ext cx="330926" cy="0"/>
+              </a:xfrm>
+              <a:prstGeom prst="straightConnector1">
+                <a:avLst/>
+              </a:prstGeom>
+              <a:ln w="22225">
+                <a:solidFill>
+                  <a:schemeClr val="tx1"/>
+                </a:solidFill>
+                <a:tailEnd type="arrow" w="lg" len="lg"/>
+              </a:ln>
+            </p:spPr>
+            <p:style>
+              <a:lnRef idx="1">
+                <a:schemeClr val="accent1"/>
+              </a:lnRef>
+              <a:fillRef idx="0">
+                <a:schemeClr val="accent1"/>
+              </a:fillRef>
+              <a:effectRef idx="0">
+                <a:schemeClr val="accent1"/>
+              </a:effectRef>
+              <a:fontRef idx="minor">
+                <a:schemeClr val="tx1"/>
+              </a:fontRef>
+            </p:style>
+          </p:cxnSp>
+          <p:cxnSp>
+            <p:nvCxnSpPr>
+              <p:cNvPr id="8" name="Straight Arrow Connector 7">
+                <a:extLst>
+                  <a:ext uri="{FF2B5EF4-FFF2-40B4-BE49-F238E27FC236}">
+                    <a16:creationId xmlns:a16="http://schemas.microsoft.com/office/drawing/2014/main" id="{4D3E83B4-13FD-49E0-8B73-A5B2696F5E9B}"/>
+                  </a:ext>
+                </a:extLst>
+              </p:cNvPr>
+              <p:cNvCxnSpPr>
+                <a:cxnSpLocks/>
+              </p:cNvCxnSpPr>
+              <p:nvPr/>
+            </p:nvCxnSpPr>
+            <p:spPr>
+              <a:xfrm>
+                <a:off x="7448496" y="3357699"/>
+                <a:ext cx="410391" cy="0"/>
+              </a:xfrm>
+              <a:prstGeom prst="straightConnector1">
+                <a:avLst/>
+              </a:prstGeom>
+              <a:ln w="22225">
+                <a:solidFill>
+                  <a:schemeClr val="tx1"/>
+                </a:solidFill>
+                <a:tailEnd type="arrow" w="lg" len="lg"/>
+              </a:ln>
+            </p:spPr>
+            <p:style>
+              <a:lnRef idx="1">
+                <a:schemeClr val="accent1"/>
+              </a:lnRef>
+              <a:fillRef idx="0">
+                <a:schemeClr val="accent1"/>
+              </a:fillRef>
+              <a:effectRef idx="0">
+                <a:schemeClr val="accent1"/>
+              </a:effectRef>
+              <a:fontRef idx="minor">
+                <a:schemeClr val="tx1"/>
+              </a:fontRef>
+            </p:style>
+          </p:cxnSp>
+          <p:cxnSp>
+            <p:nvCxnSpPr>
+              <p:cNvPr id="9" name="Straight Arrow Connector 8">
+                <a:extLst>
+                  <a:ext uri="{FF2B5EF4-FFF2-40B4-BE49-F238E27FC236}">
+                    <a16:creationId xmlns:a16="http://schemas.microsoft.com/office/drawing/2014/main" id="{1009CD1C-438C-4C38-9AE6-862A3A6AA50A}"/>
+                  </a:ext>
+                </a:extLst>
+              </p:cNvPr>
+              <p:cNvCxnSpPr>
+                <a:cxnSpLocks/>
+              </p:cNvCxnSpPr>
+              <p:nvPr/>
+            </p:nvCxnSpPr>
+            <p:spPr>
+              <a:xfrm flipH="1">
+                <a:off x="7245859" y="2425065"/>
+                <a:ext cx="26669" cy="306270"/>
+              </a:xfrm>
+              <a:prstGeom prst="straightConnector1">
+                <a:avLst/>
+              </a:prstGeom>
+              <a:ln w="22225">
+                <a:solidFill>
+                  <a:schemeClr val="tx1"/>
+                </a:solidFill>
+                <a:tailEnd type="arrow" w="lg" len="lg"/>
+              </a:ln>
+            </p:spPr>
+            <p:style>
+              <a:lnRef idx="1">
+                <a:schemeClr val="accent1"/>
+              </a:lnRef>
+              <a:fillRef idx="0">
+                <a:schemeClr val="accent1"/>
+              </a:fillRef>
+              <a:effectRef idx="0">
+                <a:schemeClr val="accent1"/>
+              </a:effectRef>
+              <a:fontRef idx="minor">
+                <a:schemeClr val="tx1"/>
+              </a:fontRef>
+            </p:style>
+          </p:cxnSp>
+          <p:cxnSp>
+            <p:nvCxnSpPr>
+              <p:cNvPr id="12" name="Straight Arrow Connector 11">
+                <a:extLst>
+                  <a:ext uri="{FF2B5EF4-FFF2-40B4-BE49-F238E27FC236}">
+                    <a16:creationId xmlns:a16="http://schemas.microsoft.com/office/drawing/2014/main" id="{7B32543F-C93E-4CED-8AAC-EFBAD8E9E629}"/>
+                  </a:ext>
+                </a:extLst>
+              </p:cNvPr>
+              <p:cNvCxnSpPr>
+                <a:cxnSpLocks/>
+              </p:cNvCxnSpPr>
+              <p:nvPr/>
+            </p:nvCxnSpPr>
+            <p:spPr>
+              <a:xfrm flipH="1" flipV="1">
+                <a:off x="7248716" y="4012367"/>
+                <a:ext cx="23812" cy="275788"/>
+              </a:xfrm>
+              <a:prstGeom prst="straightConnector1">
+                <a:avLst/>
+              </a:prstGeom>
+              <a:ln w="22225">
+                <a:solidFill>
+                  <a:schemeClr val="tx1"/>
+                </a:solidFill>
+                <a:tailEnd type="arrow" w="lg" len="lg"/>
+              </a:ln>
+            </p:spPr>
+            <p:style>
+              <a:lnRef idx="1">
+                <a:schemeClr val="accent1"/>
+              </a:lnRef>
+              <a:fillRef idx="0">
+                <a:schemeClr val="accent1"/>
+              </a:fillRef>
+              <a:effectRef idx="0">
+                <a:schemeClr val="accent1"/>
+              </a:effectRef>
+              <a:fontRef idx="minor">
+                <a:schemeClr val="tx1"/>
+              </a:fontRef>
+            </p:style>
+          </p:cxnSp>
+        </p:grpSp>
+        <p:sp>
+          <p:nvSpPr>
+            <p:cNvPr id="7" name="TextBox 6">
+              <a:extLst>
+                <a:ext uri="{FF2B5EF4-FFF2-40B4-BE49-F238E27FC236}">
+                  <a16:creationId xmlns:a16="http://schemas.microsoft.com/office/drawing/2014/main" id="{3E228997-28E6-4290-99F3-83A3B6C7B1ED}"/>
+                </a:ext>
+              </a:extLst>
+            </p:cNvPr>
+            <p:cNvSpPr txBox="1"/>
+            <p:nvPr/>
+          </p:nvSpPr>
+          <p:spPr>
+            <a:xfrm>
+              <a:off x="4078705" y="3428999"/>
+              <a:ext cx="756938" cy="338554"/>
+            </a:xfrm>
+            <a:prstGeom prst="rect">
+              <a:avLst/>
+            </a:prstGeom>
+            <a:noFill/>
+          </p:spPr>
+          <p:txBody>
+            <a:bodyPr wrap="none" rtlCol="0">
+              <a:spAutoFit/>
+            </a:bodyPr>
+            <a:lstStyle/>
+            <a:p>
+              <a:r>
+                <a:rPr lang="en-US" sz="1600" dirty="0"/>
+                <a:t>569.14</a:t>
+              </a:r>
+            </a:p>
+          </p:txBody>
+        </p:sp>
+      </p:grpSp>
+    </p:spTree>
+    <p:extLst>
+      <p:ext uri="{BB962C8B-B14F-4D97-AF65-F5344CB8AC3E}">
+        <p14:creationId xmlns:p14="http://schemas.microsoft.com/office/powerpoint/2010/main" val="97083424"/>
+      </p:ext>
+    </p:extLst>
+  </p:cSld>
+  <p:clrMapOvr>
+    <a:masterClrMapping/>
+  </p:clrMapOvr>
+</p:sld>
+</file>
+
 <file path=ppt/theme/theme1.xml><?xml version="1.0" encoding="utf-8"?>
 <a:theme xmlns:a="http://schemas.openxmlformats.org/drawingml/2006/main" name="Office Theme">
   <a:themeElements>
